--- a/IT002-OOP/Slide lý thuyết/1. IntroOOP.pptx
+++ b/IT002-OOP/Slide lý thuyết/1. IntroOOP.pptx
@@ -5,17 +5,18 @@
     <p:sldMasterId id="2147483648" r:id="rId1"/>
   </p:sldMasterIdLst>
   <p:notesMasterIdLst>
-    <p:notesMasterId r:id="rId10"/>
+    <p:notesMasterId r:id="rId11"/>
   </p:notesMasterIdLst>
   <p:sldIdLst>
     <p:sldId id="256" r:id="rId2"/>
     <p:sldId id="1027" r:id="rId3"/>
-    <p:sldId id="1033" r:id="rId4"/>
-    <p:sldId id="1028" r:id="rId5"/>
-    <p:sldId id="1029" r:id="rId6"/>
-    <p:sldId id="1030" r:id="rId7"/>
-    <p:sldId id="1032" r:id="rId8"/>
-    <p:sldId id="1031" r:id="rId9"/>
+    <p:sldId id="1034" r:id="rId4"/>
+    <p:sldId id="1033" r:id="rId5"/>
+    <p:sldId id="1028" r:id="rId6"/>
+    <p:sldId id="1029" r:id="rId7"/>
+    <p:sldId id="1030" r:id="rId8"/>
+    <p:sldId id="1032" r:id="rId9"/>
+    <p:sldId id="1031" r:id="rId10"/>
   </p:sldIdLst>
   <p:sldSz cx="12192000" cy="6858000"/>
   <p:notesSz cx="6858000" cy="9144000"/>
@@ -203,7 +204,7 @@
           </a:lstStyle>
           <a:p>
             <a:fld id="{77F5E20D-330D-AE4A-A6A6-1850AD2ED2D6}" type="datetimeFigureOut">
-              <a:t>28/1/26</a:t>
+              <a:t>29/01/2026</a:t>
             </a:fld>
             <a:endParaRPr lang="en-VN"/>
           </a:p>
@@ -618,7 +619,7 @@
           <a:lstStyle/>
           <a:p>
             <a:fld id="{B19CC23C-BA29-DE42-B018-0A671B23AB5C}" type="datetime1">
-              <a:t>28/1/26</a:t>
+              <a:t>29/01/2026</a:t>
             </a:fld>
             <a:endParaRPr lang="en-VN"/>
           </a:p>
@@ -816,7 +817,7 @@
           <a:lstStyle/>
           <a:p>
             <a:fld id="{4C98E9E1-1963-2549-A392-0CE442C818D3}" type="datetime1">
-              <a:t>28/1/26</a:t>
+              <a:t>29/01/2026</a:t>
             </a:fld>
             <a:endParaRPr lang="en-VN"/>
           </a:p>
@@ -1024,7 +1025,7 @@
           <a:lstStyle/>
           <a:p>
             <a:fld id="{C7AFA920-85BE-4747-816A-47AD76A510FA}" type="datetime1">
-              <a:t>28/1/26</a:t>
+              <a:t>29/01/2026</a:t>
             </a:fld>
             <a:endParaRPr lang="en-VN"/>
           </a:p>
@@ -1222,7 +1223,7 @@
           <a:lstStyle/>
           <a:p>
             <a:fld id="{AAD3D96D-7531-BC47-A011-B5D6B3D43310}" type="datetime1">
-              <a:t>28/1/26</a:t>
+              <a:t>29/01/2026</a:t>
             </a:fld>
             <a:endParaRPr lang="en-VN"/>
           </a:p>
@@ -1537,7 +1538,7 @@
           <a:lstStyle/>
           <a:p>
             <a:fld id="{9099FF25-CCF5-1749-B789-DEA9DF3915D1}" type="datetime1">
-              <a:t>28/1/26</a:t>
+              <a:t>29/01/2026</a:t>
             </a:fld>
             <a:endParaRPr lang="en-VN"/>
           </a:p>
@@ -1803,7 +1804,7 @@
           <a:lstStyle/>
           <a:p>
             <a:fld id="{96C9BD3F-C60C-8F40-A1AA-746E79F526C8}" type="datetime1">
-              <a:t>28/1/26</a:t>
+              <a:t>29/01/2026</a:t>
             </a:fld>
             <a:endParaRPr lang="en-VN"/>
           </a:p>
@@ -2216,7 +2217,7 @@
           <a:lstStyle/>
           <a:p>
             <a:fld id="{A8563D55-6338-8241-BEA3-C8267015B326}" type="datetime1">
-              <a:t>28/1/26</a:t>
+              <a:t>29/01/2026</a:t>
             </a:fld>
             <a:endParaRPr lang="en-VN"/>
           </a:p>
@@ -2356,7 +2357,7 @@
           <a:lstStyle/>
           <a:p>
             <a:fld id="{89782EF4-4D34-8E49-9BB8-7FCD8F64F56C}" type="datetime1">
-              <a:t>28/1/26</a:t>
+              <a:t>29/01/2026</a:t>
             </a:fld>
             <a:endParaRPr lang="en-VN"/>
           </a:p>
@@ -2467,7 +2468,7 @@
           <a:lstStyle/>
           <a:p>
             <a:fld id="{8A835D4F-1253-B847-8798-F89DBC53ECA3}" type="datetime1">
-              <a:t>28/1/26</a:t>
+              <a:t>29/01/2026</a:t>
             </a:fld>
             <a:endParaRPr lang="en-VN"/>
           </a:p>
@@ -2778,7 +2779,7 @@
           <a:lstStyle/>
           <a:p>
             <a:fld id="{7B60E56D-C72A-354F-B0FC-65EC27F745C6}" type="datetime1">
-              <a:t>28/1/26</a:t>
+              <a:t>29/01/2026</a:t>
             </a:fld>
             <a:endParaRPr lang="en-VN"/>
           </a:p>
@@ -3065,7 +3066,7 @@
           <a:lstStyle/>
           <a:p>
             <a:fld id="{D4EEE616-05B3-E949-A580-BAD4E917BCA4}" type="datetime1">
-              <a:t>28/1/26</a:t>
+              <a:t>29/01/2026</a:t>
             </a:fld>
             <a:endParaRPr lang="en-VN"/>
           </a:p>
@@ -3306,7 +3307,7 @@
           </a:lstStyle>
           <a:p>
             <a:fld id="{D2508FC7-06EA-184C-B437-1FD4117B159D}" type="datetime1">
-              <a:t>28/1/26</a:t>
+              <a:t>29/01/2026</a:t>
             </a:fld>
             <a:endParaRPr lang="en-VN"/>
           </a:p>
@@ -3891,7 +3892,7 @@
             </a:pPr>
             <a:r>
               <a:rPr lang="en-US" b="1"/>
-              <a:t>Chap 1: New Features of C++</a:t>
+              <a:t>Chap 1: C++</a:t>
             </a:r>
           </a:p>
           <a:p>
@@ -4015,7 +4016,7 @@
           <p:cNvPr id="2" name="Title 1">
             <a:extLst>
               <a:ext uri="{FF2B5EF4-FFF2-40B4-BE49-F238E27FC236}">
-                <a16:creationId xmlns:a16="http://schemas.microsoft.com/office/drawing/2014/main" id="{654D95A6-F0DD-16BB-F20C-52FB365A819E}"/>
+                <a16:creationId xmlns:a16="http://schemas.microsoft.com/office/drawing/2014/main" id="{DD66F33D-AFFF-BD8A-891A-C9AA7520047E}"/>
               </a:ext>
             </a:extLst>
           </p:cNvPr>
@@ -4032,9 +4033,121 @@
           <a:lstStyle/>
           <a:p>
             <a:r>
-              <a:rPr lang="en-VN"/>
-              <a:t>C++</a:t>
-            </a:r>
+              <a:rPr lang="en-US"/>
+              <a:t>C++: Pointer</a:t>
+            </a:r>
+            <a:endParaRPr lang="vi-VN"/>
+          </a:p>
+        </p:txBody>
+      </p:sp>
+      <p:sp>
+        <p:nvSpPr>
+          <p:cNvPr id="3" name="Content Placeholder 2">
+            <a:extLst>
+              <a:ext uri="{FF2B5EF4-FFF2-40B4-BE49-F238E27FC236}">
+                <a16:creationId xmlns:a16="http://schemas.microsoft.com/office/drawing/2014/main" id="{B91E53E6-8FC1-4FEB-0B90-088A7E5AA607}"/>
+              </a:ext>
+            </a:extLst>
+          </p:cNvPr>
+          <p:cNvSpPr>
+            <a:spLocks noGrp="1"/>
+          </p:cNvSpPr>
+          <p:nvPr>
+            <p:ph idx="1"/>
+          </p:nvPr>
+        </p:nvSpPr>
+        <p:spPr>
+          <a:xfrm>
+            <a:off x="838200" y="1825625"/>
+            <a:ext cx="10515600" cy="4579840"/>
+          </a:xfrm>
+        </p:spPr>
+        <p:txBody>
+          <a:bodyPr>
+            <a:normAutofit/>
+          </a:bodyPr>
+          <a:lstStyle/>
+          <a:p>
+            <a:pPr marL="0" indent="0">
+              <a:buNone/>
+            </a:pPr>
+            <a:r>
+              <a:rPr lang="en-US"/>
+              <a:t>int a = 1</a:t>
+            </a:r>
+          </a:p>
+          <a:p>
+            <a:pPr marL="0" indent="0">
+              <a:buNone/>
+            </a:pPr>
+            <a:r>
+              <a:rPr lang="en-US"/>
+              <a:t>int* p = a</a:t>
+            </a:r>
+          </a:p>
+          <a:p>
+            <a:pPr marL="0" indent="0">
+              <a:buNone/>
+            </a:pPr>
+            <a:r>
+              <a:rPr lang="en-US"/>
+              <a:t>int* p = &amp;a</a:t>
+            </a:r>
+          </a:p>
+          <a:p>
+            <a:pPr marL="0" indent="0">
+              <a:buNone/>
+            </a:pPr>
+            <a:r>
+              <a:rPr lang="en-US"/>
+              <a:t>int* p = 0x43343443</a:t>
+            </a:r>
+          </a:p>
+          <a:p>
+            <a:pPr marL="0" indent="0">
+              <a:buNone/>
+            </a:pPr>
+            <a:r>
+              <a:rPr lang="en-US"/>
+              <a:t>int&amp; r = a</a:t>
+            </a:r>
+          </a:p>
+          <a:p>
+            <a:pPr marL="0" indent="0">
+              <a:buNone/>
+            </a:pPr>
+            <a:r>
+              <a:rPr lang="en-US"/>
+              <a:t>---</a:t>
+            </a:r>
+          </a:p>
+          <a:p>
+            <a:pPr marL="0" indent="0">
+              <a:buNone/>
+            </a:pPr>
+            <a:r>
+              <a:rPr lang="en-US"/>
+              <a:t>p = ?</a:t>
+            </a:r>
+          </a:p>
+          <a:p>
+            <a:pPr marL="0" indent="0">
+              <a:buNone/>
+            </a:pPr>
+            <a:r>
+              <a:rPr lang="en-US"/>
+              <a:t>&amp;p = ?</a:t>
+            </a:r>
+          </a:p>
+          <a:p>
+            <a:pPr marL="0" indent="0">
+              <a:buNone/>
+            </a:pPr>
+            <a:r>
+              <a:rPr lang="en-US"/>
+              <a:t>&amp;p = ?</a:t>
+            </a:r>
+            <a:endParaRPr lang="vi-VN"/>
           </a:p>
         </p:txBody>
       </p:sp>
@@ -4043,7 +4156,7 @@
           <p:cNvPr id="4" name="Slide Number Placeholder 3">
             <a:extLst>
               <a:ext uri="{FF2B5EF4-FFF2-40B4-BE49-F238E27FC236}">
-                <a16:creationId xmlns:a16="http://schemas.microsoft.com/office/drawing/2014/main" id="{4D5572FB-8962-2DAD-5D9B-7DD083C9B26F}"/>
+                <a16:creationId xmlns:a16="http://schemas.microsoft.com/office/drawing/2014/main" id="{EDAF4017-AC32-D0AD-279C-B573E3E26096}"/>
               </a:ext>
             </a:extLst>
           </p:cNvPr>
@@ -4060,843 +4173,17 @@
           <a:lstStyle/>
           <a:p>
             <a:fld id="{8D5B5E1E-6446-E346-A8EF-B18E81FAF44B}" type="slidenum">
-              <a:rPr lang="en-VN"/>
+              <a:rPr lang="vi-VN" smtClean="0"/>
               <a:t>3</a:t>
             </a:fld>
-            <a:endParaRPr lang="en-VN"/>
-          </a:p>
-        </p:txBody>
-      </p:sp>
-      <p:sp>
-        <p:nvSpPr>
-          <p:cNvPr id="6" name="Content Placeholder 2">
-            <a:extLst>
-              <a:ext uri="{FF2B5EF4-FFF2-40B4-BE49-F238E27FC236}">
-                <a16:creationId xmlns:a16="http://schemas.microsoft.com/office/drawing/2014/main" id="{5C921178-712A-C715-A575-FF29AB4CF13E}"/>
-              </a:ext>
-            </a:extLst>
-          </p:cNvPr>
-          <p:cNvSpPr>
-            <a:spLocks noGrp="1"/>
-          </p:cNvSpPr>
-          <p:nvPr>
-            <p:ph idx="1"/>
-          </p:nvPr>
-        </p:nvSpPr>
-        <p:spPr>
-          <a:xfrm>
-            <a:off x="838200" y="2494333"/>
-            <a:ext cx="2495309" cy="2089241"/>
-          </a:xfrm>
-          <a:solidFill>
-            <a:srgbClr val="D9D9D9"/>
-          </a:solidFill>
-        </p:spPr>
-        <p:txBody>
-          <a:bodyPr>
-            <a:normAutofit/>
-          </a:bodyPr>
-          <a:lstStyle/>
-          <a:p>
-            <a:pPr marL="0" indent="0">
-              <a:lnSpc>
-                <a:spcPct val="100000"/>
-              </a:lnSpc>
-              <a:buNone/>
-            </a:pPr>
-            <a:r>
-              <a:rPr lang="en-US" sz="2400"/>
-              <a:t>v</a:t>
-            </a:r>
-            <a:r>
-              <a:rPr lang="en-VN" sz="2400"/>
-              <a:t>oid print(int a) {</a:t>
-            </a:r>
-          </a:p>
-          <a:p>
-            <a:pPr marL="0" indent="0">
-              <a:lnSpc>
-                <a:spcPct val="100000"/>
-              </a:lnSpc>
-              <a:buNone/>
-            </a:pPr>
-            <a:r>
-              <a:rPr lang="en-VN" sz="2400"/>
-              <a:t>   a++; </a:t>
-            </a:r>
-          </a:p>
-          <a:p>
-            <a:pPr marL="0" indent="0">
-              <a:lnSpc>
-                <a:spcPct val="100000"/>
-              </a:lnSpc>
-              <a:buNone/>
-            </a:pPr>
-            <a:r>
-              <a:rPr lang="en-VN" sz="2400"/>
-              <a:t>   cout &lt;&lt; a;</a:t>
-            </a:r>
-          </a:p>
-          <a:p>
-            <a:pPr marL="0" indent="0">
-              <a:lnSpc>
-                <a:spcPct val="100000"/>
-              </a:lnSpc>
-              <a:buNone/>
-            </a:pPr>
-            <a:r>
-              <a:rPr lang="en-VN" sz="2400"/>
-              <a:t>}</a:t>
-            </a:r>
-          </a:p>
-        </p:txBody>
-      </p:sp>
-      <p:sp>
-        <p:nvSpPr>
-          <p:cNvPr id="7" name="Content Placeholder 2">
-            <a:extLst>
-              <a:ext uri="{FF2B5EF4-FFF2-40B4-BE49-F238E27FC236}">
-                <a16:creationId xmlns:a16="http://schemas.microsoft.com/office/drawing/2014/main" id="{5B0DDC32-5822-0F62-2B7D-A100D45C67E2}"/>
-              </a:ext>
-            </a:extLst>
-          </p:cNvPr>
-          <p:cNvSpPr txBox="1">
-            <a:spLocks/>
-          </p:cNvSpPr>
-          <p:nvPr/>
-        </p:nvSpPr>
-        <p:spPr>
-          <a:xfrm>
-            <a:off x="3600691" y="2494333"/>
-            <a:ext cx="2985304" cy="2089241"/>
-          </a:xfrm>
-          <a:prstGeom prst="rect">
-            <a:avLst/>
-          </a:prstGeom>
-          <a:solidFill>
-            <a:srgbClr val="D9D9D9"/>
-          </a:solidFill>
-        </p:spPr>
-        <p:txBody>
-          <a:bodyPr vert="horz" lIns="91440" tIns="45720" rIns="91440" bIns="45720" rtlCol="0">
-            <a:normAutofit/>
-          </a:bodyPr>
-          <a:lstStyle>
-            <a:lvl1pPr marL="228600" indent="-228600" algn="l" defTabSz="914400" rtl="0" eaLnBrk="1" latinLnBrk="0" hangingPunct="1">
-              <a:lnSpc>
-                <a:spcPct val="90000"/>
-              </a:lnSpc>
-              <a:spcBef>
-                <a:spcPts val="1000"/>
-              </a:spcBef>
-              <a:buFont typeface="Arial" panose="020B0604020202020204" pitchFamily="34" charset="0"/>
-              <a:buChar char="•"/>
-              <a:defRPr sz="2800" kern="1200">
-                <a:solidFill>
-                  <a:schemeClr val="tx1"/>
-                </a:solidFill>
-                <a:latin typeface="+mn-lt"/>
-                <a:ea typeface="+mn-ea"/>
-                <a:cs typeface="+mn-cs"/>
-              </a:defRPr>
-            </a:lvl1pPr>
-            <a:lvl2pPr marL="685800" indent="-228600" algn="l" defTabSz="914400" rtl="0" eaLnBrk="1" latinLnBrk="0" hangingPunct="1">
-              <a:lnSpc>
-                <a:spcPct val="90000"/>
-              </a:lnSpc>
-              <a:spcBef>
-                <a:spcPts val="500"/>
-              </a:spcBef>
-              <a:buFont typeface="Arial" panose="020B0604020202020204" pitchFamily="34" charset="0"/>
-              <a:buChar char="•"/>
-              <a:defRPr sz="2400" kern="1200">
-                <a:solidFill>
-                  <a:schemeClr val="tx1"/>
-                </a:solidFill>
-                <a:latin typeface="+mn-lt"/>
-                <a:ea typeface="+mn-ea"/>
-                <a:cs typeface="+mn-cs"/>
-              </a:defRPr>
-            </a:lvl2pPr>
-            <a:lvl3pPr marL="1143000" indent="-228600" algn="l" defTabSz="914400" rtl="0" eaLnBrk="1" latinLnBrk="0" hangingPunct="1">
-              <a:lnSpc>
-                <a:spcPct val="90000"/>
-              </a:lnSpc>
-              <a:spcBef>
-                <a:spcPts val="500"/>
-              </a:spcBef>
-              <a:buFont typeface="Arial" panose="020B0604020202020204" pitchFamily="34" charset="0"/>
-              <a:buChar char="•"/>
-              <a:defRPr sz="2000" kern="1200">
-                <a:solidFill>
-                  <a:schemeClr val="tx1"/>
-                </a:solidFill>
-                <a:latin typeface="+mn-lt"/>
-                <a:ea typeface="+mn-ea"/>
-                <a:cs typeface="+mn-cs"/>
-              </a:defRPr>
-            </a:lvl3pPr>
-            <a:lvl4pPr marL="1600200" indent="-228600" algn="l" defTabSz="914400" rtl="0" eaLnBrk="1" latinLnBrk="0" hangingPunct="1">
-              <a:lnSpc>
-                <a:spcPct val="90000"/>
-              </a:lnSpc>
-              <a:spcBef>
-                <a:spcPts val="500"/>
-              </a:spcBef>
-              <a:buFont typeface="Arial" panose="020B0604020202020204" pitchFamily="34" charset="0"/>
-              <a:buChar char="•"/>
-              <a:defRPr sz="1800" kern="1200">
-                <a:solidFill>
-                  <a:schemeClr val="tx1"/>
-                </a:solidFill>
-                <a:latin typeface="+mn-lt"/>
-                <a:ea typeface="+mn-ea"/>
-                <a:cs typeface="+mn-cs"/>
-              </a:defRPr>
-            </a:lvl4pPr>
-            <a:lvl5pPr marL="2057400" indent="-228600" algn="l" defTabSz="914400" rtl="0" eaLnBrk="1" latinLnBrk="0" hangingPunct="1">
-              <a:lnSpc>
-                <a:spcPct val="90000"/>
-              </a:lnSpc>
-              <a:spcBef>
-                <a:spcPts val="500"/>
-              </a:spcBef>
-              <a:buFont typeface="Arial" panose="020B0604020202020204" pitchFamily="34" charset="0"/>
-              <a:buChar char="•"/>
-              <a:defRPr sz="1800" kern="1200">
-                <a:solidFill>
-                  <a:schemeClr val="tx1"/>
-                </a:solidFill>
-                <a:latin typeface="+mn-lt"/>
-                <a:ea typeface="+mn-ea"/>
-                <a:cs typeface="+mn-cs"/>
-              </a:defRPr>
-            </a:lvl5pPr>
-            <a:lvl6pPr marL="2514600" indent="-228600" algn="l" defTabSz="914400" rtl="0" eaLnBrk="1" latinLnBrk="0" hangingPunct="1">
-              <a:lnSpc>
-                <a:spcPct val="90000"/>
-              </a:lnSpc>
-              <a:spcBef>
-                <a:spcPts val="500"/>
-              </a:spcBef>
-              <a:buFont typeface="Arial" panose="020B0604020202020204" pitchFamily="34" charset="0"/>
-              <a:buChar char="•"/>
-              <a:defRPr sz="1800" kern="1200">
-                <a:solidFill>
-                  <a:schemeClr val="tx1"/>
-                </a:solidFill>
-                <a:latin typeface="+mn-lt"/>
-                <a:ea typeface="+mn-ea"/>
-                <a:cs typeface="+mn-cs"/>
-              </a:defRPr>
-            </a:lvl6pPr>
-            <a:lvl7pPr marL="2971800" indent="-228600" algn="l" defTabSz="914400" rtl="0" eaLnBrk="1" latinLnBrk="0" hangingPunct="1">
-              <a:lnSpc>
-                <a:spcPct val="90000"/>
-              </a:lnSpc>
-              <a:spcBef>
-                <a:spcPts val="500"/>
-              </a:spcBef>
-              <a:buFont typeface="Arial" panose="020B0604020202020204" pitchFamily="34" charset="0"/>
-              <a:buChar char="•"/>
-              <a:defRPr sz="1800" kern="1200">
-                <a:solidFill>
-                  <a:schemeClr val="tx1"/>
-                </a:solidFill>
-                <a:latin typeface="+mn-lt"/>
-                <a:ea typeface="+mn-ea"/>
-                <a:cs typeface="+mn-cs"/>
-              </a:defRPr>
-            </a:lvl7pPr>
-            <a:lvl8pPr marL="3429000" indent="-228600" algn="l" defTabSz="914400" rtl="0" eaLnBrk="1" latinLnBrk="0" hangingPunct="1">
-              <a:lnSpc>
-                <a:spcPct val="90000"/>
-              </a:lnSpc>
-              <a:spcBef>
-                <a:spcPts val="500"/>
-              </a:spcBef>
-              <a:buFont typeface="Arial" panose="020B0604020202020204" pitchFamily="34" charset="0"/>
-              <a:buChar char="•"/>
-              <a:defRPr sz="1800" kern="1200">
-                <a:solidFill>
-                  <a:schemeClr val="tx1"/>
-                </a:solidFill>
-                <a:latin typeface="+mn-lt"/>
-                <a:ea typeface="+mn-ea"/>
-                <a:cs typeface="+mn-cs"/>
-              </a:defRPr>
-            </a:lvl8pPr>
-            <a:lvl9pPr marL="3886200" indent="-228600" algn="l" defTabSz="914400" rtl="0" eaLnBrk="1" latinLnBrk="0" hangingPunct="1">
-              <a:lnSpc>
-                <a:spcPct val="90000"/>
-              </a:lnSpc>
-              <a:spcBef>
-                <a:spcPts val="500"/>
-              </a:spcBef>
-              <a:buFont typeface="Arial" panose="020B0604020202020204" pitchFamily="34" charset="0"/>
-              <a:buChar char="•"/>
-              <a:defRPr sz="1800" kern="1200">
-                <a:solidFill>
-                  <a:schemeClr val="tx1"/>
-                </a:solidFill>
-                <a:latin typeface="+mn-lt"/>
-                <a:ea typeface="+mn-ea"/>
-                <a:cs typeface="+mn-cs"/>
-              </a:defRPr>
-            </a:lvl9pPr>
-          </a:lstStyle>
-          <a:p>
-            <a:pPr marL="0" indent="0">
-              <a:lnSpc>
-                <a:spcPct val="100000"/>
-              </a:lnSpc>
-              <a:buNone/>
-            </a:pPr>
-            <a:r>
-              <a:rPr lang="en-US" sz="2400"/>
-              <a:t>v</a:t>
-            </a:r>
-            <a:r>
-              <a:rPr lang="en-VN" sz="2400"/>
-              <a:t>oid print(int &amp;a) {</a:t>
-            </a:r>
-          </a:p>
-          <a:p>
-            <a:pPr marL="0" indent="0">
-              <a:lnSpc>
-                <a:spcPct val="100000"/>
-              </a:lnSpc>
-              <a:buNone/>
-            </a:pPr>
-            <a:r>
-              <a:rPr lang="en-VN" sz="2400"/>
-              <a:t>   a++; </a:t>
-            </a:r>
-          </a:p>
-          <a:p>
-            <a:pPr marL="0" indent="0">
-              <a:lnSpc>
-                <a:spcPct val="100000"/>
-              </a:lnSpc>
-              <a:buNone/>
-            </a:pPr>
-            <a:r>
-              <a:rPr lang="en-VN" sz="2400"/>
-              <a:t>   cout &lt;&lt; a;</a:t>
-            </a:r>
-          </a:p>
-          <a:p>
-            <a:pPr marL="0" indent="0">
-              <a:lnSpc>
-                <a:spcPct val="100000"/>
-              </a:lnSpc>
-              <a:buNone/>
-            </a:pPr>
-            <a:r>
-              <a:rPr lang="en-VN" sz="2400"/>
-              <a:t>}</a:t>
-            </a:r>
-          </a:p>
-        </p:txBody>
-      </p:sp>
-      <p:sp>
-        <p:nvSpPr>
-          <p:cNvPr id="8" name="TextBox 7">
-            <a:extLst>
-              <a:ext uri="{FF2B5EF4-FFF2-40B4-BE49-F238E27FC236}">
-                <a16:creationId xmlns:a16="http://schemas.microsoft.com/office/drawing/2014/main" id="{CFD25C18-362F-144F-CF22-BDF7C96F79D7}"/>
-              </a:ext>
-            </a:extLst>
-          </p:cNvPr>
-          <p:cNvSpPr txBox="1"/>
-          <p:nvPr/>
-        </p:nvSpPr>
-        <p:spPr>
-          <a:xfrm>
-            <a:off x="838200" y="1516284"/>
-            <a:ext cx="2495309" cy="461665"/>
-          </a:xfrm>
-          <a:prstGeom prst="rect">
-            <a:avLst/>
-          </a:prstGeom>
-          <a:noFill/>
-        </p:spPr>
-        <p:txBody>
-          <a:bodyPr wrap="square" rtlCol="0">
-            <a:spAutoFit/>
-          </a:bodyPr>
-          <a:lstStyle/>
-          <a:p>
-            <a:r>
-              <a:rPr lang="en-VN" sz="2400"/>
-              <a:t>Pass by value</a:t>
-            </a:r>
-          </a:p>
-        </p:txBody>
-      </p:sp>
-      <p:sp>
-        <p:nvSpPr>
-          <p:cNvPr id="9" name="TextBox 8">
-            <a:extLst>
-              <a:ext uri="{FF2B5EF4-FFF2-40B4-BE49-F238E27FC236}">
-                <a16:creationId xmlns:a16="http://schemas.microsoft.com/office/drawing/2014/main" id="{692F306E-7A6D-97BA-9B5C-BD538F338F8A}"/>
-              </a:ext>
-            </a:extLst>
-          </p:cNvPr>
-          <p:cNvSpPr txBox="1"/>
-          <p:nvPr/>
-        </p:nvSpPr>
-        <p:spPr>
-          <a:xfrm>
-            <a:off x="3600691" y="1517068"/>
-            <a:ext cx="2495309" cy="461665"/>
-          </a:xfrm>
-          <a:prstGeom prst="rect">
-            <a:avLst/>
-          </a:prstGeom>
-          <a:noFill/>
-        </p:spPr>
-        <p:txBody>
-          <a:bodyPr wrap="square" rtlCol="0">
-            <a:spAutoFit/>
-          </a:bodyPr>
-          <a:lstStyle/>
-          <a:p>
-            <a:r>
-              <a:rPr lang="en-VN" sz="2400"/>
-              <a:t>Pass by reference</a:t>
-            </a:r>
-          </a:p>
-        </p:txBody>
-      </p:sp>
-      <p:sp>
-        <p:nvSpPr>
-          <p:cNvPr id="12" name="Content Placeholder 2">
-            <a:extLst>
-              <a:ext uri="{FF2B5EF4-FFF2-40B4-BE49-F238E27FC236}">
-                <a16:creationId xmlns:a16="http://schemas.microsoft.com/office/drawing/2014/main" id="{ED67AD2B-88E7-FFF4-9BDE-9EC6C29292A2}"/>
-              </a:ext>
-            </a:extLst>
-          </p:cNvPr>
-          <p:cNvSpPr txBox="1">
-            <a:spLocks/>
-          </p:cNvSpPr>
-          <p:nvPr/>
-        </p:nvSpPr>
-        <p:spPr>
-          <a:xfrm>
-            <a:off x="838200" y="2020074"/>
-            <a:ext cx="1210519" cy="432133"/>
-          </a:xfrm>
-          <a:prstGeom prst="rect">
-            <a:avLst/>
-          </a:prstGeom>
-          <a:solidFill>
-            <a:srgbClr val="D9D9D9"/>
-          </a:solidFill>
-        </p:spPr>
-        <p:txBody>
-          <a:bodyPr vert="horz" lIns="91440" tIns="45720" rIns="91440" bIns="45720" rtlCol="0">
-            <a:normAutofit lnSpcReduction="10000"/>
-          </a:bodyPr>
-          <a:lstStyle>
-            <a:lvl1pPr marL="228600" indent="-228600" algn="l" defTabSz="914400" rtl="0" eaLnBrk="1" latinLnBrk="0" hangingPunct="1">
-              <a:lnSpc>
-                <a:spcPct val="90000"/>
-              </a:lnSpc>
-              <a:spcBef>
-                <a:spcPts val="1000"/>
-              </a:spcBef>
-              <a:buFont typeface="Arial" panose="020B0604020202020204" pitchFamily="34" charset="0"/>
-              <a:buChar char="•"/>
-              <a:defRPr sz="2800" kern="1200">
-                <a:solidFill>
-                  <a:schemeClr val="tx1"/>
-                </a:solidFill>
-                <a:latin typeface="+mn-lt"/>
-                <a:ea typeface="+mn-ea"/>
-                <a:cs typeface="+mn-cs"/>
-              </a:defRPr>
-            </a:lvl1pPr>
-            <a:lvl2pPr marL="685800" indent="-228600" algn="l" defTabSz="914400" rtl="0" eaLnBrk="1" latinLnBrk="0" hangingPunct="1">
-              <a:lnSpc>
-                <a:spcPct val="90000"/>
-              </a:lnSpc>
-              <a:spcBef>
-                <a:spcPts val="500"/>
-              </a:spcBef>
-              <a:buFont typeface="Arial" panose="020B0604020202020204" pitchFamily="34" charset="0"/>
-              <a:buChar char="•"/>
-              <a:defRPr sz="2400" kern="1200">
-                <a:solidFill>
-                  <a:schemeClr val="tx1"/>
-                </a:solidFill>
-                <a:latin typeface="+mn-lt"/>
-                <a:ea typeface="+mn-ea"/>
-                <a:cs typeface="+mn-cs"/>
-              </a:defRPr>
-            </a:lvl2pPr>
-            <a:lvl3pPr marL="1143000" indent="-228600" algn="l" defTabSz="914400" rtl="0" eaLnBrk="1" latinLnBrk="0" hangingPunct="1">
-              <a:lnSpc>
-                <a:spcPct val="90000"/>
-              </a:lnSpc>
-              <a:spcBef>
-                <a:spcPts val="500"/>
-              </a:spcBef>
-              <a:buFont typeface="Arial" panose="020B0604020202020204" pitchFamily="34" charset="0"/>
-              <a:buChar char="•"/>
-              <a:defRPr sz="2000" kern="1200">
-                <a:solidFill>
-                  <a:schemeClr val="tx1"/>
-                </a:solidFill>
-                <a:latin typeface="+mn-lt"/>
-                <a:ea typeface="+mn-ea"/>
-                <a:cs typeface="+mn-cs"/>
-              </a:defRPr>
-            </a:lvl3pPr>
-            <a:lvl4pPr marL="1600200" indent="-228600" algn="l" defTabSz="914400" rtl="0" eaLnBrk="1" latinLnBrk="0" hangingPunct="1">
-              <a:lnSpc>
-                <a:spcPct val="90000"/>
-              </a:lnSpc>
-              <a:spcBef>
-                <a:spcPts val="500"/>
-              </a:spcBef>
-              <a:buFont typeface="Arial" panose="020B0604020202020204" pitchFamily="34" charset="0"/>
-              <a:buChar char="•"/>
-              <a:defRPr sz="1800" kern="1200">
-                <a:solidFill>
-                  <a:schemeClr val="tx1"/>
-                </a:solidFill>
-                <a:latin typeface="+mn-lt"/>
-                <a:ea typeface="+mn-ea"/>
-                <a:cs typeface="+mn-cs"/>
-              </a:defRPr>
-            </a:lvl4pPr>
-            <a:lvl5pPr marL="2057400" indent="-228600" algn="l" defTabSz="914400" rtl="0" eaLnBrk="1" latinLnBrk="0" hangingPunct="1">
-              <a:lnSpc>
-                <a:spcPct val="90000"/>
-              </a:lnSpc>
-              <a:spcBef>
-                <a:spcPts val="500"/>
-              </a:spcBef>
-              <a:buFont typeface="Arial" panose="020B0604020202020204" pitchFamily="34" charset="0"/>
-              <a:buChar char="•"/>
-              <a:defRPr sz="1800" kern="1200">
-                <a:solidFill>
-                  <a:schemeClr val="tx1"/>
-                </a:solidFill>
-                <a:latin typeface="+mn-lt"/>
-                <a:ea typeface="+mn-ea"/>
-                <a:cs typeface="+mn-cs"/>
-              </a:defRPr>
-            </a:lvl5pPr>
-            <a:lvl6pPr marL="2514600" indent="-228600" algn="l" defTabSz="914400" rtl="0" eaLnBrk="1" latinLnBrk="0" hangingPunct="1">
-              <a:lnSpc>
-                <a:spcPct val="90000"/>
-              </a:lnSpc>
-              <a:spcBef>
-                <a:spcPts val="500"/>
-              </a:spcBef>
-              <a:buFont typeface="Arial" panose="020B0604020202020204" pitchFamily="34" charset="0"/>
-              <a:buChar char="•"/>
-              <a:defRPr sz="1800" kern="1200">
-                <a:solidFill>
-                  <a:schemeClr val="tx1"/>
-                </a:solidFill>
-                <a:latin typeface="+mn-lt"/>
-                <a:ea typeface="+mn-ea"/>
-                <a:cs typeface="+mn-cs"/>
-              </a:defRPr>
-            </a:lvl6pPr>
-            <a:lvl7pPr marL="2971800" indent="-228600" algn="l" defTabSz="914400" rtl="0" eaLnBrk="1" latinLnBrk="0" hangingPunct="1">
-              <a:lnSpc>
-                <a:spcPct val="90000"/>
-              </a:lnSpc>
-              <a:spcBef>
-                <a:spcPts val="500"/>
-              </a:spcBef>
-              <a:buFont typeface="Arial" panose="020B0604020202020204" pitchFamily="34" charset="0"/>
-              <a:buChar char="•"/>
-              <a:defRPr sz="1800" kern="1200">
-                <a:solidFill>
-                  <a:schemeClr val="tx1"/>
-                </a:solidFill>
-                <a:latin typeface="+mn-lt"/>
-                <a:ea typeface="+mn-ea"/>
-                <a:cs typeface="+mn-cs"/>
-              </a:defRPr>
-            </a:lvl7pPr>
-            <a:lvl8pPr marL="3429000" indent="-228600" algn="l" defTabSz="914400" rtl="0" eaLnBrk="1" latinLnBrk="0" hangingPunct="1">
-              <a:lnSpc>
-                <a:spcPct val="90000"/>
-              </a:lnSpc>
-              <a:spcBef>
-                <a:spcPts val="500"/>
-              </a:spcBef>
-              <a:buFont typeface="Arial" panose="020B0604020202020204" pitchFamily="34" charset="0"/>
-              <a:buChar char="•"/>
-              <a:defRPr sz="1800" kern="1200">
-                <a:solidFill>
-                  <a:schemeClr val="tx1"/>
-                </a:solidFill>
-                <a:latin typeface="+mn-lt"/>
-                <a:ea typeface="+mn-ea"/>
-                <a:cs typeface="+mn-cs"/>
-              </a:defRPr>
-            </a:lvl8pPr>
-            <a:lvl9pPr marL="3886200" indent="-228600" algn="l" defTabSz="914400" rtl="0" eaLnBrk="1" latinLnBrk="0" hangingPunct="1">
-              <a:lnSpc>
-                <a:spcPct val="90000"/>
-              </a:lnSpc>
-              <a:spcBef>
-                <a:spcPts val="500"/>
-              </a:spcBef>
-              <a:buFont typeface="Arial" panose="020B0604020202020204" pitchFamily="34" charset="0"/>
-              <a:buChar char="•"/>
-              <a:defRPr sz="1800" kern="1200">
-                <a:solidFill>
-                  <a:schemeClr val="tx1"/>
-                </a:solidFill>
-                <a:latin typeface="+mn-lt"/>
-                <a:ea typeface="+mn-ea"/>
-                <a:cs typeface="+mn-cs"/>
-              </a:defRPr>
-            </a:lvl9pPr>
-          </a:lstStyle>
-          <a:p>
-            <a:pPr marL="0" indent="0">
-              <a:lnSpc>
-                <a:spcPct val="100000"/>
-              </a:lnSpc>
-              <a:buNone/>
-            </a:pPr>
-            <a:r>
-              <a:rPr lang="en-US" sz="2400"/>
-              <a:t>i</a:t>
-            </a:r>
-            <a:r>
-              <a:rPr lang="en-VN" sz="2400"/>
-              <a:t>nt a = 1</a:t>
-            </a:r>
-          </a:p>
-        </p:txBody>
-      </p:sp>
-      <p:sp>
-        <p:nvSpPr>
-          <p:cNvPr id="13" name="Content Placeholder 2">
-            <a:extLst>
-              <a:ext uri="{FF2B5EF4-FFF2-40B4-BE49-F238E27FC236}">
-                <a16:creationId xmlns:a16="http://schemas.microsoft.com/office/drawing/2014/main" id="{FC62F0F1-B049-3390-5800-A0E91C167A8D}"/>
-              </a:ext>
-            </a:extLst>
-          </p:cNvPr>
-          <p:cNvSpPr txBox="1">
-            <a:spLocks/>
-          </p:cNvSpPr>
-          <p:nvPr/>
-        </p:nvSpPr>
-        <p:spPr>
-          <a:xfrm>
-            <a:off x="3600691" y="2020074"/>
-            <a:ext cx="1210519" cy="432133"/>
-          </a:xfrm>
-          <a:prstGeom prst="rect">
-            <a:avLst/>
-          </a:prstGeom>
-          <a:solidFill>
-            <a:srgbClr val="D9D9D9"/>
-          </a:solidFill>
-        </p:spPr>
-        <p:txBody>
-          <a:bodyPr vert="horz" lIns="91440" tIns="45720" rIns="91440" bIns="45720" rtlCol="0">
-            <a:normAutofit lnSpcReduction="10000"/>
-          </a:bodyPr>
-          <a:lstStyle>
-            <a:lvl1pPr marL="228600" indent="-228600" algn="l" defTabSz="914400" rtl="0" eaLnBrk="1" latinLnBrk="0" hangingPunct="1">
-              <a:lnSpc>
-                <a:spcPct val="90000"/>
-              </a:lnSpc>
-              <a:spcBef>
-                <a:spcPts val="1000"/>
-              </a:spcBef>
-              <a:buFont typeface="Arial" panose="020B0604020202020204" pitchFamily="34" charset="0"/>
-              <a:buChar char="•"/>
-              <a:defRPr sz="2800" kern="1200">
-                <a:solidFill>
-                  <a:schemeClr val="tx1"/>
-                </a:solidFill>
-                <a:latin typeface="+mn-lt"/>
-                <a:ea typeface="+mn-ea"/>
-                <a:cs typeface="+mn-cs"/>
-              </a:defRPr>
-            </a:lvl1pPr>
-            <a:lvl2pPr marL="685800" indent="-228600" algn="l" defTabSz="914400" rtl="0" eaLnBrk="1" latinLnBrk="0" hangingPunct="1">
-              <a:lnSpc>
-                <a:spcPct val="90000"/>
-              </a:lnSpc>
-              <a:spcBef>
-                <a:spcPts val="500"/>
-              </a:spcBef>
-              <a:buFont typeface="Arial" panose="020B0604020202020204" pitchFamily="34" charset="0"/>
-              <a:buChar char="•"/>
-              <a:defRPr sz="2400" kern="1200">
-                <a:solidFill>
-                  <a:schemeClr val="tx1"/>
-                </a:solidFill>
-                <a:latin typeface="+mn-lt"/>
-                <a:ea typeface="+mn-ea"/>
-                <a:cs typeface="+mn-cs"/>
-              </a:defRPr>
-            </a:lvl2pPr>
-            <a:lvl3pPr marL="1143000" indent="-228600" algn="l" defTabSz="914400" rtl="0" eaLnBrk="1" latinLnBrk="0" hangingPunct="1">
-              <a:lnSpc>
-                <a:spcPct val="90000"/>
-              </a:lnSpc>
-              <a:spcBef>
-                <a:spcPts val="500"/>
-              </a:spcBef>
-              <a:buFont typeface="Arial" panose="020B0604020202020204" pitchFamily="34" charset="0"/>
-              <a:buChar char="•"/>
-              <a:defRPr sz="2000" kern="1200">
-                <a:solidFill>
-                  <a:schemeClr val="tx1"/>
-                </a:solidFill>
-                <a:latin typeface="+mn-lt"/>
-                <a:ea typeface="+mn-ea"/>
-                <a:cs typeface="+mn-cs"/>
-              </a:defRPr>
-            </a:lvl3pPr>
-            <a:lvl4pPr marL="1600200" indent="-228600" algn="l" defTabSz="914400" rtl="0" eaLnBrk="1" latinLnBrk="0" hangingPunct="1">
-              <a:lnSpc>
-                <a:spcPct val="90000"/>
-              </a:lnSpc>
-              <a:spcBef>
-                <a:spcPts val="500"/>
-              </a:spcBef>
-              <a:buFont typeface="Arial" panose="020B0604020202020204" pitchFamily="34" charset="0"/>
-              <a:buChar char="•"/>
-              <a:defRPr sz="1800" kern="1200">
-                <a:solidFill>
-                  <a:schemeClr val="tx1"/>
-                </a:solidFill>
-                <a:latin typeface="+mn-lt"/>
-                <a:ea typeface="+mn-ea"/>
-                <a:cs typeface="+mn-cs"/>
-              </a:defRPr>
-            </a:lvl4pPr>
-            <a:lvl5pPr marL="2057400" indent="-228600" algn="l" defTabSz="914400" rtl="0" eaLnBrk="1" latinLnBrk="0" hangingPunct="1">
-              <a:lnSpc>
-                <a:spcPct val="90000"/>
-              </a:lnSpc>
-              <a:spcBef>
-                <a:spcPts val="500"/>
-              </a:spcBef>
-              <a:buFont typeface="Arial" panose="020B0604020202020204" pitchFamily="34" charset="0"/>
-              <a:buChar char="•"/>
-              <a:defRPr sz="1800" kern="1200">
-                <a:solidFill>
-                  <a:schemeClr val="tx1"/>
-                </a:solidFill>
-                <a:latin typeface="+mn-lt"/>
-                <a:ea typeface="+mn-ea"/>
-                <a:cs typeface="+mn-cs"/>
-              </a:defRPr>
-            </a:lvl5pPr>
-            <a:lvl6pPr marL="2514600" indent="-228600" algn="l" defTabSz="914400" rtl="0" eaLnBrk="1" latinLnBrk="0" hangingPunct="1">
-              <a:lnSpc>
-                <a:spcPct val="90000"/>
-              </a:lnSpc>
-              <a:spcBef>
-                <a:spcPts val="500"/>
-              </a:spcBef>
-              <a:buFont typeface="Arial" panose="020B0604020202020204" pitchFamily="34" charset="0"/>
-              <a:buChar char="•"/>
-              <a:defRPr sz="1800" kern="1200">
-                <a:solidFill>
-                  <a:schemeClr val="tx1"/>
-                </a:solidFill>
-                <a:latin typeface="+mn-lt"/>
-                <a:ea typeface="+mn-ea"/>
-                <a:cs typeface="+mn-cs"/>
-              </a:defRPr>
-            </a:lvl6pPr>
-            <a:lvl7pPr marL="2971800" indent="-228600" algn="l" defTabSz="914400" rtl="0" eaLnBrk="1" latinLnBrk="0" hangingPunct="1">
-              <a:lnSpc>
-                <a:spcPct val="90000"/>
-              </a:lnSpc>
-              <a:spcBef>
-                <a:spcPts val="500"/>
-              </a:spcBef>
-              <a:buFont typeface="Arial" panose="020B0604020202020204" pitchFamily="34" charset="0"/>
-              <a:buChar char="•"/>
-              <a:defRPr sz="1800" kern="1200">
-                <a:solidFill>
-                  <a:schemeClr val="tx1"/>
-                </a:solidFill>
-                <a:latin typeface="+mn-lt"/>
-                <a:ea typeface="+mn-ea"/>
-                <a:cs typeface="+mn-cs"/>
-              </a:defRPr>
-            </a:lvl7pPr>
-            <a:lvl8pPr marL="3429000" indent="-228600" algn="l" defTabSz="914400" rtl="0" eaLnBrk="1" latinLnBrk="0" hangingPunct="1">
-              <a:lnSpc>
-                <a:spcPct val="90000"/>
-              </a:lnSpc>
-              <a:spcBef>
-                <a:spcPts val="500"/>
-              </a:spcBef>
-              <a:buFont typeface="Arial" panose="020B0604020202020204" pitchFamily="34" charset="0"/>
-              <a:buChar char="•"/>
-              <a:defRPr sz="1800" kern="1200">
-                <a:solidFill>
-                  <a:schemeClr val="tx1"/>
-                </a:solidFill>
-                <a:latin typeface="+mn-lt"/>
-                <a:ea typeface="+mn-ea"/>
-                <a:cs typeface="+mn-cs"/>
-              </a:defRPr>
-            </a:lvl8pPr>
-            <a:lvl9pPr marL="3886200" indent="-228600" algn="l" defTabSz="914400" rtl="0" eaLnBrk="1" latinLnBrk="0" hangingPunct="1">
-              <a:lnSpc>
-                <a:spcPct val="90000"/>
-              </a:lnSpc>
-              <a:spcBef>
-                <a:spcPts val="500"/>
-              </a:spcBef>
-              <a:buFont typeface="Arial" panose="020B0604020202020204" pitchFamily="34" charset="0"/>
-              <a:buChar char="•"/>
-              <a:defRPr sz="1800" kern="1200">
-                <a:solidFill>
-                  <a:schemeClr val="tx1"/>
-                </a:solidFill>
-                <a:latin typeface="+mn-lt"/>
-                <a:ea typeface="+mn-ea"/>
-                <a:cs typeface="+mn-cs"/>
-              </a:defRPr>
-            </a:lvl9pPr>
-          </a:lstStyle>
-          <a:p>
-            <a:pPr marL="0" indent="0">
-              <a:lnSpc>
-                <a:spcPct val="100000"/>
-              </a:lnSpc>
-              <a:buNone/>
-            </a:pPr>
-            <a:r>
-              <a:rPr lang="en-US" sz="2400"/>
-              <a:t>i</a:t>
-            </a:r>
-            <a:r>
-              <a:rPr lang="en-VN" sz="2400"/>
-              <a:t>nt a = 1</a:t>
-            </a:r>
+            <a:endParaRPr lang="vi-VN"/>
           </a:p>
         </p:txBody>
       </p:sp>
     </p:spTree>
     <p:extLst>
       <p:ext uri="{BB962C8B-B14F-4D97-AF65-F5344CB8AC3E}">
-        <p14:creationId xmlns:p14="http://schemas.microsoft.com/office/powerpoint/2010/main" val="4034848647"/>
+        <p14:creationId xmlns:p14="http://schemas.microsoft.com/office/powerpoint/2010/main" val="445133952"/>
       </p:ext>
     </p:extLst>
   </p:cSld>
@@ -4928,7 +4215,7 @@
           <p:cNvPr id="2" name="Title 1">
             <a:extLst>
               <a:ext uri="{FF2B5EF4-FFF2-40B4-BE49-F238E27FC236}">
-                <a16:creationId xmlns:a16="http://schemas.microsoft.com/office/drawing/2014/main" id="{ADFC55C0-DE10-2A2A-4C91-28EB1C42FACA}"/>
+                <a16:creationId xmlns:a16="http://schemas.microsoft.com/office/drawing/2014/main" id="{654D95A6-F0DD-16BB-F20C-52FB365A819E}"/>
               </a:ext>
             </a:extLst>
           </p:cNvPr>
@@ -4946,7 +4233,7 @@
           <a:p>
             <a:r>
               <a:rPr lang="en-VN"/>
-              <a:t>Programming paradigms</a:t>
+              <a:t>C++</a:t>
             </a:r>
           </a:p>
         </p:txBody>
@@ -4956,7 +4243,7 @@
           <p:cNvPr id="4" name="Slide Number Placeholder 3">
             <a:extLst>
               <a:ext uri="{FF2B5EF4-FFF2-40B4-BE49-F238E27FC236}">
-                <a16:creationId xmlns:a16="http://schemas.microsoft.com/office/drawing/2014/main" id="{A6EBAED5-144B-C6A9-2B15-6D0A17620182}"/>
+                <a16:creationId xmlns:a16="http://schemas.microsoft.com/office/drawing/2014/main" id="{4D5572FB-8962-2DAD-5D9B-7DD083C9B26F}"/>
               </a:ext>
             </a:extLst>
           </p:cNvPr>
@@ -4975,6 +4262,3068 @@
             <a:fld id="{8D5B5E1E-6446-E346-A8EF-B18E81FAF44B}" type="slidenum">
               <a:rPr lang="en-VN"/>
               <a:t>4</a:t>
+            </a:fld>
+            <a:endParaRPr lang="en-VN"/>
+          </a:p>
+        </p:txBody>
+      </p:sp>
+      <p:sp>
+        <p:nvSpPr>
+          <p:cNvPr id="6" name="Content Placeholder 2">
+            <a:extLst>
+              <a:ext uri="{FF2B5EF4-FFF2-40B4-BE49-F238E27FC236}">
+                <a16:creationId xmlns:a16="http://schemas.microsoft.com/office/drawing/2014/main" id="{5C921178-712A-C715-A575-FF29AB4CF13E}"/>
+              </a:ext>
+            </a:extLst>
+          </p:cNvPr>
+          <p:cNvSpPr>
+            <a:spLocks noGrp="1"/>
+          </p:cNvSpPr>
+          <p:nvPr>
+            <p:ph idx="1"/>
+          </p:nvPr>
+        </p:nvSpPr>
+        <p:spPr>
+          <a:xfrm>
+            <a:off x="838200" y="2858228"/>
+            <a:ext cx="2495309" cy="2089241"/>
+          </a:xfrm>
+          <a:solidFill>
+            <a:srgbClr val="D9D9D9"/>
+          </a:solidFill>
+        </p:spPr>
+        <p:txBody>
+          <a:bodyPr>
+            <a:normAutofit/>
+          </a:bodyPr>
+          <a:lstStyle/>
+          <a:p>
+            <a:pPr marL="0" indent="0">
+              <a:lnSpc>
+                <a:spcPct val="100000"/>
+              </a:lnSpc>
+              <a:buNone/>
+            </a:pPr>
+            <a:r>
+              <a:rPr lang="en-US" sz="2400"/>
+              <a:t>v</a:t>
+            </a:r>
+            <a:r>
+              <a:rPr lang="en-VN" sz="2400"/>
+              <a:t>oid print(int </a:t>
+            </a:r>
+            <a:r>
+              <a:rPr lang="en-VN" sz="2400" b="1"/>
+              <a:t>a</a:t>
+            </a:r>
+            <a:r>
+              <a:rPr lang="en-VN" sz="2400"/>
+              <a:t>) {</a:t>
+            </a:r>
+          </a:p>
+          <a:p>
+            <a:pPr marL="0" indent="0">
+              <a:lnSpc>
+                <a:spcPct val="100000"/>
+              </a:lnSpc>
+              <a:buNone/>
+            </a:pPr>
+            <a:r>
+              <a:rPr lang="en-VN" sz="2400"/>
+              <a:t>   a++; </a:t>
+            </a:r>
+          </a:p>
+          <a:p>
+            <a:pPr marL="0" indent="0">
+              <a:lnSpc>
+                <a:spcPct val="100000"/>
+              </a:lnSpc>
+              <a:buNone/>
+            </a:pPr>
+            <a:r>
+              <a:rPr lang="en-VN" sz="2400"/>
+              <a:t>   cout &lt;&lt; a;</a:t>
+            </a:r>
+          </a:p>
+          <a:p>
+            <a:pPr marL="0" indent="0">
+              <a:lnSpc>
+                <a:spcPct val="100000"/>
+              </a:lnSpc>
+              <a:buNone/>
+            </a:pPr>
+            <a:r>
+              <a:rPr lang="en-VN" sz="2400"/>
+              <a:t>}</a:t>
+            </a:r>
+          </a:p>
+        </p:txBody>
+      </p:sp>
+      <p:sp>
+        <p:nvSpPr>
+          <p:cNvPr id="7" name="Content Placeholder 2">
+            <a:extLst>
+              <a:ext uri="{FF2B5EF4-FFF2-40B4-BE49-F238E27FC236}">
+                <a16:creationId xmlns:a16="http://schemas.microsoft.com/office/drawing/2014/main" id="{5B0DDC32-5822-0F62-2B7D-A100D45C67E2}"/>
+              </a:ext>
+            </a:extLst>
+          </p:cNvPr>
+          <p:cNvSpPr txBox="1">
+            <a:spLocks/>
+          </p:cNvSpPr>
+          <p:nvPr/>
+        </p:nvSpPr>
+        <p:spPr>
+          <a:xfrm>
+            <a:off x="3712656" y="2858228"/>
+            <a:ext cx="2985304" cy="2089241"/>
+          </a:xfrm>
+          <a:prstGeom prst="rect">
+            <a:avLst/>
+          </a:prstGeom>
+          <a:solidFill>
+            <a:srgbClr val="D9D9D9"/>
+          </a:solidFill>
+        </p:spPr>
+        <p:txBody>
+          <a:bodyPr vert="horz" lIns="91440" tIns="45720" rIns="91440" bIns="45720" rtlCol="0">
+            <a:normAutofit/>
+          </a:bodyPr>
+          <a:lstStyle>
+            <a:lvl1pPr marL="228600" indent="-228600" algn="l" defTabSz="914400" rtl="0" eaLnBrk="1" latinLnBrk="0" hangingPunct="1">
+              <a:lnSpc>
+                <a:spcPct val="90000"/>
+              </a:lnSpc>
+              <a:spcBef>
+                <a:spcPts val="1000"/>
+              </a:spcBef>
+              <a:buFont typeface="Arial" panose="020B0604020202020204" pitchFamily="34" charset="0"/>
+              <a:buChar char="•"/>
+              <a:defRPr sz="2800" kern="1200">
+                <a:solidFill>
+                  <a:schemeClr val="tx1"/>
+                </a:solidFill>
+                <a:latin typeface="+mn-lt"/>
+                <a:ea typeface="+mn-ea"/>
+                <a:cs typeface="+mn-cs"/>
+              </a:defRPr>
+            </a:lvl1pPr>
+            <a:lvl2pPr marL="685800" indent="-228600" algn="l" defTabSz="914400" rtl="0" eaLnBrk="1" latinLnBrk="0" hangingPunct="1">
+              <a:lnSpc>
+                <a:spcPct val="90000"/>
+              </a:lnSpc>
+              <a:spcBef>
+                <a:spcPts val="500"/>
+              </a:spcBef>
+              <a:buFont typeface="Arial" panose="020B0604020202020204" pitchFamily="34" charset="0"/>
+              <a:buChar char="•"/>
+              <a:defRPr sz="2400" kern="1200">
+                <a:solidFill>
+                  <a:schemeClr val="tx1"/>
+                </a:solidFill>
+                <a:latin typeface="+mn-lt"/>
+                <a:ea typeface="+mn-ea"/>
+                <a:cs typeface="+mn-cs"/>
+              </a:defRPr>
+            </a:lvl2pPr>
+            <a:lvl3pPr marL="1143000" indent="-228600" algn="l" defTabSz="914400" rtl="0" eaLnBrk="1" latinLnBrk="0" hangingPunct="1">
+              <a:lnSpc>
+                <a:spcPct val="90000"/>
+              </a:lnSpc>
+              <a:spcBef>
+                <a:spcPts val="500"/>
+              </a:spcBef>
+              <a:buFont typeface="Arial" panose="020B0604020202020204" pitchFamily="34" charset="0"/>
+              <a:buChar char="•"/>
+              <a:defRPr sz="2000" kern="1200">
+                <a:solidFill>
+                  <a:schemeClr val="tx1"/>
+                </a:solidFill>
+                <a:latin typeface="+mn-lt"/>
+                <a:ea typeface="+mn-ea"/>
+                <a:cs typeface="+mn-cs"/>
+              </a:defRPr>
+            </a:lvl3pPr>
+            <a:lvl4pPr marL="1600200" indent="-228600" algn="l" defTabSz="914400" rtl="0" eaLnBrk="1" latinLnBrk="0" hangingPunct="1">
+              <a:lnSpc>
+                <a:spcPct val="90000"/>
+              </a:lnSpc>
+              <a:spcBef>
+                <a:spcPts val="500"/>
+              </a:spcBef>
+              <a:buFont typeface="Arial" panose="020B0604020202020204" pitchFamily="34" charset="0"/>
+              <a:buChar char="•"/>
+              <a:defRPr sz="1800" kern="1200">
+                <a:solidFill>
+                  <a:schemeClr val="tx1"/>
+                </a:solidFill>
+                <a:latin typeface="+mn-lt"/>
+                <a:ea typeface="+mn-ea"/>
+                <a:cs typeface="+mn-cs"/>
+              </a:defRPr>
+            </a:lvl4pPr>
+            <a:lvl5pPr marL="2057400" indent="-228600" algn="l" defTabSz="914400" rtl="0" eaLnBrk="1" latinLnBrk="0" hangingPunct="1">
+              <a:lnSpc>
+                <a:spcPct val="90000"/>
+              </a:lnSpc>
+              <a:spcBef>
+                <a:spcPts val="500"/>
+              </a:spcBef>
+              <a:buFont typeface="Arial" panose="020B0604020202020204" pitchFamily="34" charset="0"/>
+              <a:buChar char="•"/>
+              <a:defRPr sz="1800" kern="1200">
+                <a:solidFill>
+                  <a:schemeClr val="tx1"/>
+                </a:solidFill>
+                <a:latin typeface="+mn-lt"/>
+                <a:ea typeface="+mn-ea"/>
+                <a:cs typeface="+mn-cs"/>
+              </a:defRPr>
+            </a:lvl5pPr>
+            <a:lvl6pPr marL="2514600" indent="-228600" algn="l" defTabSz="914400" rtl="0" eaLnBrk="1" latinLnBrk="0" hangingPunct="1">
+              <a:lnSpc>
+                <a:spcPct val="90000"/>
+              </a:lnSpc>
+              <a:spcBef>
+                <a:spcPts val="500"/>
+              </a:spcBef>
+              <a:buFont typeface="Arial" panose="020B0604020202020204" pitchFamily="34" charset="0"/>
+              <a:buChar char="•"/>
+              <a:defRPr sz="1800" kern="1200">
+                <a:solidFill>
+                  <a:schemeClr val="tx1"/>
+                </a:solidFill>
+                <a:latin typeface="+mn-lt"/>
+                <a:ea typeface="+mn-ea"/>
+                <a:cs typeface="+mn-cs"/>
+              </a:defRPr>
+            </a:lvl6pPr>
+            <a:lvl7pPr marL="2971800" indent="-228600" algn="l" defTabSz="914400" rtl="0" eaLnBrk="1" latinLnBrk="0" hangingPunct="1">
+              <a:lnSpc>
+                <a:spcPct val="90000"/>
+              </a:lnSpc>
+              <a:spcBef>
+                <a:spcPts val="500"/>
+              </a:spcBef>
+              <a:buFont typeface="Arial" panose="020B0604020202020204" pitchFamily="34" charset="0"/>
+              <a:buChar char="•"/>
+              <a:defRPr sz="1800" kern="1200">
+                <a:solidFill>
+                  <a:schemeClr val="tx1"/>
+                </a:solidFill>
+                <a:latin typeface="+mn-lt"/>
+                <a:ea typeface="+mn-ea"/>
+                <a:cs typeface="+mn-cs"/>
+              </a:defRPr>
+            </a:lvl7pPr>
+            <a:lvl8pPr marL="3429000" indent="-228600" algn="l" defTabSz="914400" rtl="0" eaLnBrk="1" latinLnBrk="0" hangingPunct="1">
+              <a:lnSpc>
+                <a:spcPct val="90000"/>
+              </a:lnSpc>
+              <a:spcBef>
+                <a:spcPts val="500"/>
+              </a:spcBef>
+              <a:buFont typeface="Arial" panose="020B0604020202020204" pitchFamily="34" charset="0"/>
+              <a:buChar char="•"/>
+              <a:defRPr sz="1800" kern="1200">
+                <a:solidFill>
+                  <a:schemeClr val="tx1"/>
+                </a:solidFill>
+                <a:latin typeface="+mn-lt"/>
+                <a:ea typeface="+mn-ea"/>
+                <a:cs typeface="+mn-cs"/>
+              </a:defRPr>
+            </a:lvl8pPr>
+            <a:lvl9pPr marL="3886200" indent="-228600" algn="l" defTabSz="914400" rtl="0" eaLnBrk="1" latinLnBrk="0" hangingPunct="1">
+              <a:lnSpc>
+                <a:spcPct val="90000"/>
+              </a:lnSpc>
+              <a:spcBef>
+                <a:spcPts val="500"/>
+              </a:spcBef>
+              <a:buFont typeface="Arial" panose="020B0604020202020204" pitchFamily="34" charset="0"/>
+              <a:buChar char="•"/>
+              <a:defRPr sz="1800" kern="1200">
+                <a:solidFill>
+                  <a:schemeClr val="tx1"/>
+                </a:solidFill>
+                <a:latin typeface="+mn-lt"/>
+                <a:ea typeface="+mn-ea"/>
+                <a:cs typeface="+mn-cs"/>
+              </a:defRPr>
+            </a:lvl9pPr>
+          </a:lstStyle>
+          <a:p>
+            <a:pPr marL="0" indent="0">
+              <a:lnSpc>
+                <a:spcPct val="100000"/>
+              </a:lnSpc>
+              <a:buNone/>
+            </a:pPr>
+            <a:r>
+              <a:rPr lang="en-US" sz="2400"/>
+              <a:t>v</a:t>
+            </a:r>
+            <a:r>
+              <a:rPr lang="en-VN" sz="2400"/>
+              <a:t>oid print(int &amp;</a:t>
+            </a:r>
+            <a:r>
+              <a:rPr lang="en-VN" sz="2400" b="1"/>
+              <a:t>a</a:t>
+            </a:r>
+            <a:r>
+              <a:rPr lang="en-VN" sz="2400"/>
+              <a:t>) {</a:t>
+            </a:r>
+          </a:p>
+          <a:p>
+            <a:pPr marL="0" indent="0">
+              <a:lnSpc>
+                <a:spcPct val="100000"/>
+              </a:lnSpc>
+              <a:buNone/>
+            </a:pPr>
+            <a:r>
+              <a:rPr lang="en-VN" sz="2400"/>
+              <a:t>   </a:t>
+            </a:r>
+            <a:r>
+              <a:rPr lang="en-VN" sz="2400" b="1"/>
+              <a:t>a++; </a:t>
+            </a:r>
+          </a:p>
+          <a:p>
+            <a:pPr marL="0" indent="0">
+              <a:lnSpc>
+                <a:spcPct val="100000"/>
+              </a:lnSpc>
+              <a:buNone/>
+            </a:pPr>
+            <a:r>
+              <a:rPr lang="en-VN" sz="2400"/>
+              <a:t>   cout &lt;&lt; </a:t>
+            </a:r>
+            <a:r>
+              <a:rPr lang="en-VN" sz="2400" b="1"/>
+              <a:t>a</a:t>
+            </a:r>
+            <a:r>
+              <a:rPr lang="en-VN" sz="2400"/>
+              <a:t>;</a:t>
+            </a:r>
+          </a:p>
+          <a:p>
+            <a:pPr marL="0" indent="0">
+              <a:lnSpc>
+                <a:spcPct val="100000"/>
+              </a:lnSpc>
+              <a:buNone/>
+            </a:pPr>
+            <a:r>
+              <a:rPr lang="en-VN" sz="2400"/>
+              <a:t>}</a:t>
+            </a:r>
+          </a:p>
+        </p:txBody>
+      </p:sp>
+      <p:sp>
+        <p:nvSpPr>
+          <p:cNvPr id="8" name="TextBox 7">
+            <a:extLst>
+              <a:ext uri="{FF2B5EF4-FFF2-40B4-BE49-F238E27FC236}">
+                <a16:creationId xmlns:a16="http://schemas.microsoft.com/office/drawing/2014/main" id="{CFD25C18-362F-144F-CF22-BDF7C96F79D7}"/>
+              </a:ext>
+            </a:extLst>
+          </p:cNvPr>
+          <p:cNvSpPr txBox="1"/>
+          <p:nvPr/>
+        </p:nvSpPr>
+        <p:spPr>
+          <a:xfrm>
+            <a:off x="838200" y="1516284"/>
+            <a:ext cx="2495309" cy="830997"/>
+          </a:xfrm>
+          <a:prstGeom prst="rect">
+            <a:avLst/>
+          </a:prstGeom>
+          <a:noFill/>
+        </p:spPr>
+        <p:txBody>
+          <a:bodyPr wrap="square" rtlCol="0">
+            <a:spAutoFit/>
+          </a:bodyPr>
+          <a:lstStyle/>
+          <a:p>
+            <a:r>
+              <a:rPr lang="en-VN" sz="2400"/>
+              <a:t>Pass by value</a:t>
+            </a:r>
+            <a:endParaRPr lang="en-US" sz="2400"/>
+          </a:p>
+          <a:p>
+            <a:r>
+              <a:rPr lang="en-US" sz="2400"/>
+              <a:t>(Shallow copy)</a:t>
+            </a:r>
+            <a:endParaRPr lang="en-VN" sz="2400"/>
+          </a:p>
+        </p:txBody>
+      </p:sp>
+      <p:sp>
+        <p:nvSpPr>
+          <p:cNvPr id="9" name="TextBox 8">
+            <a:extLst>
+              <a:ext uri="{FF2B5EF4-FFF2-40B4-BE49-F238E27FC236}">
+                <a16:creationId xmlns:a16="http://schemas.microsoft.com/office/drawing/2014/main" id="{692F306E-7A6D-97BA-9B5C-BD538F338F8A}"/>
+              </a:ext>
+            </a:extLst>
+          </p:cNvPr>
+          <p:cNvSpPr txBox="1"/>
+          <p:nvPr/>
+        </p:nvSpPr>
+        <p:spPr>
+          <a:xfrm>
+            <a:off x="3600691" y="1517068"/>
+            <a:ext cx="2495309" cy="830997"/>
+          </a:xfrm>
+          <a:prstGeom prst="rect">
+            <a:avLst/>
+          </a:prstGeom>
+          <a:noFill/>
+        </p:spPr>
+        <p:txBody>
+          <a:bodyPr wrap="square" rtlCol="0">
+            <a:spAutoFit/>
+          </a:bodyPr>
+          <a:lstStyle/>
+          <a:p>
+            <a:r>
+              <a:rPr lang="en-VN" sz="2400"/>
+              <a:t>Pass by reference</a:t>
+            </a:r>
+            <a:endParaRPr lang="en-US" sz="2400"/>
+          </a:p>
+          <a:p>
+            <a:r>
+              <a:rPr lang="en-US" sz="2400"/>
+              <a:t>(Deep copy)</a:t>
+            </a:r>
+            <a:endParaRPr lang="en-VN" sz="2400"/>
+          </a:p>
+        </p:txBody>
+      </p:sp>
+      <p:sp>
+        <p:nvSpPr>
+          <p:cNvPr id="12" name="Content Placeholder 2">
+            <a:extLst>
+              <a:ext uri="{FF2B5EF4-FFF2-40B4-BE49-F238E27FC236}">
+                <a16:creationId xmlns:a16="http://schemas.microsoft.com/office/drawing/2014/main" id="{ED67AD2B-88E7-FFF4-9BDE-9EC6C29292A2}"/>
+              </a:ext>
+            </a:extLst>
+          </p:cNvPr>
+          <p:cNvSpPr txBox="1">
+            <a:spLocks/>
+          </p:cNvSpPr>
+          <p:nvPr/>
+        </p:nvSpPr>
+        <p:spPr>
+          <a:xfrm>
+            <a:off x="838200" y="2383969"/>
+            <a:ext cx="1210519" cy="432133"/>
+          </a:xfrm>
+          <a:prstGeom prst="rect">
+            <a:avLst/>
+          </a:prstGeom>
+          <a:solidFill>
+            <a:srgbClr val="D9D9D9"/>
+          </a:solidFill>
+        </p:spPr>
+        <p:txBody>
+          <a:bodyPr vert="horz" lIns="91440" tIns="45720" rIns="91440" bIns="45720" rtlCol="0">
+            <a:normAutofit lnSpcReduction="10000"/>
+          </a:bodyPr>
+          <a:lstStyle>
+            <a:lvl1pPr marL="228600" indent="-228600" algn="l" defTabSz="914400" rtl="0" eaLnBrk="1" latinLnBrk="0" hangingPunct="1">
+              <a:lnSpc>
+                <a:spcPct val="90000"/>
+              </a:lnSpc>
+              <a:spcBef>
+                <a:spcPts val="1000"/>
+              </a:spcBef>
+              <a:buFont typeface="Arial" panose="020B0604020202020204" pitchFamily="34" charset="0"/>
+              <a:buChar char="•"/>
+              <a:defRPr sz="2800" kern="1200">
+                <a:solidFill>
+                  <a:schemeClr val="tx1"/>
+                </a:solidFill>
+                <a:latin typeface="+mn-lt"/>
+                <a:ea typeface="+mn-ea"/>
+                <a:cs typeface="+mn-cs"/>
+              </a:defRPr>
+            </a:lvl1pPr>
+            <a:lvl2pPr marL="685800" indent="-228600" algn="l" defTabSz="914400" rtl="0" eaLnBrk="1" latinLnBrk="0" hangingPunct="1">
+              <a:lnSpc>
+                <a:spcPct val="90000"/>
+              </a:lnSpc>
+              <a:spcBef>
+                <a:spcPts val="500"/>
+              </a:spcBef>
+              <a:buFont typeface="Arial" panose="020B0604020202020204" pitchFamily="34" charset="0"/>
+              <a:buChar char="•"/>
+              <a:defRPr sz="2400" kern="1200">
+                <a:solidFill>
+                  <a:schemeClr val="tx1"/>
+                </a:solidFill>
+                <a:latin typeface="+mn-lt"/>
+                <a:ea typeface="+mn-ea"/>
+                <a:cs typeface="+mn-cs"/>
+              </a:defRPr>
+            </a:lvl2pPr>
+            <a:lvl3pPr marL="1143000" indent="-228600" algn="l" defTabSz="914400" rtl="0" eaLnBrk="1" latinLnBrk="0" hangingPunct="1">
+              <a:lnSpc>
+                <a:spcPct val="90000"/>
+              </a:lnSpc>
+              <a:spcBef>
+                <a:spcPts val="500"/>
+              </a:spcBef>
+              <a:buFont typeface="Arial" panose="020B0604020202020204" pitchFamily="34" charset="0"/>
+              <a:buChar char="•"/>
+              <a:defRPr sz="2000" kern="1200">
+                <a:solidFill>
+                  <a:schemeClr val="tx1"/>
+                </a:solidFill>
+                <a:latin typeface="+mn-lt"/>
+                <a:ea typeface="+mn-ea"/>
+                <a:cs typeface="+mn-cs"/>
+              </a:defRPr>
+            </a:lvl3pPr>
+            <a:lvl4pPr marL="1600200" indent="-228600" algn="l" defTabSz="914400" rtl="0" eaLnBrk="1" latinLnBrk="0" hangingPunct="1">
+              <a:lnSpc>
+                <a:spcPct val="90000"/>
+              </a:lnSpc>
+              <a:spcBef>
+                <a:spcPts val="500"/>
+              </a:spcBef>
+              <a:buFont typeface="Arial" panose="020B0604020202020204" pitchFamily="34" charset="0"/>
+              <a:buChar char="•"/>
+              <a:defRPr sz="1800" kern="1200">
+                <a:solidFill>
+                  <a:schemeClr val="tx1"/>
+                </a:solidFill>
+                <a:latin typeface="+mn-lt"/>
+                <a:ea typeface="+mn-ea"/>
+                <a:cs typeface="+mn-cs"/>
+              </a:defRPr>
+            </a:lvl4pPr>
+            <a:lvl5pPr marL="2057400" indent="-228600" algn="l" defTabSz="914400" rtl="0" eaLnBrk="1" latinLnBrk="0" hangingPunct="1">
+              <a:lnSpc>
+                <a:spcPct val="90000"/>
+              </a:lnSpc>
+              <a:spcBef>
+                <a:spcPts val="500"/>
+              </a:spcBef>
+              <a:buFont typeface="Arial" panose="020B0604020202020204" pitchFamily="34" charset="0"/>
+              <a:buChar char="•"/>
+              <a:defRPr sz="1800" kern="1200">
+                <a:solidFill>
+                  <a:schemeClr val="tx1"/>
+                </a:solidFill>
+                <a:latin typeface="+mn-lt"/>
+                <a:ea typeface="+mn-ea"/>
+                <a:cs typeface="+mn-cs"/>
+              </a:defRPr>
+            </a:lvl5pPr>
+            <a:lvl6pPr marL="2514600" indent="-228600" algn="l" defTabSz="914400" rtl="0" eaLnBrk="1" latinLnBrk="0" hangingPunct="1">
+              <a:lnSpc>
+                <a:spcPct val="90000"/>
+              </a:lnSpc>
+              <a:spcBef>
+                <a:spcPts val="500"/>
+              </a:spcBef>
+              <a:buFont typeface="Arial" panose="020B0604020202020204" pitchFamily="34" charset="0"/>
+              <a:buChar char="•"/>
+              <a:defRPr sz="1800" kern="1200">
+                <a:solidFill>
+                  <a:schemeClr val="tx1"/>
+                </a:solidFill>
+                <a:latin typeface="+mn-lt"/>
+                <a:ea typeface="+mn-ea"/>
+                <a:cs typeface="+mn-cs"/>
+              </a:defRPr>
+            </a:lvl6pPr>
+            <a:lvl7pPr marL="2971800" indent="-228600" algn="l" defTabSz="914400" rtl="0" eaLnBrk="1" latinLnBrk="0" hangingPunct="1">
+              <a:lnSpc>
+                <a:spcPct val="90000"/>
+              </a:lnSpc>
+              <a:spcBef>
+                <a:spcPts val="500"/>
+              </a:spcBef>
+              <a:buFont typeface="Arial" panose="020B0604020202020204" pitchFamily="34" charset="0"/>
+              <a:buChar char="•"/>
+              <a:defRPr sz="1800" kern="1200">
+                <a:solidFill>
+                  <a:schemeClr val="tx1"/>
+                </a:solidFill>
+                <a:latin typeface="+mn-lt"/>
+                <a:ea typeface="+mn-ea"/>
+                <a:cs typeface="+mn-cs"/>
+              </a:defRPr>
+            </a:lvl7pPr>
+            <a:lvl8pPr marL="3429000" indent="-228600" algn="l" defTabSz="914400" rtl="0" eaLnBrk="1" latinLnBrk="0" hangingPunct="1">
+              <a:lnSpc>
+                <a:spcPct val="90000"/>
+              </a:lnSpc>
+              <a:spcBef>
+                <a:spcPts val="500"/>
+              </a:spcBef>
+              <a:buFont typeface="Arial" panose="020B0604020202020204" pitchFamily="34" charset="0"/>
+              <a:buChar char="•"/>
+              <a:defRPr sz="1800" kern="1200">
+                <a:solidFill>
+                  <a:schemeClr val="tx1"/>
+                </a:solidFill>
+                <a:latin typeface="+mn-lt"/>
+                <a:ea typeface="+mn-ea"/>
+                <a:cs typeface="+mn-cs"/>
+              </a:defRPr>
+            </a:lvl8pPr>
+            <a:lvl9pPr marL="3886200" indent="-228600" algn="l" defTabSz="914400" rtl="0" eaLnBrk="1" latinLnBrk="0" hangingPunct="1">
+              <a:lnSpc>
+                <a:spcPct val="90000"/>
+              </a:lnSpc>
+              <a:spcBef>
+                <a:spcPts val="500"/>
+              </a:spcBef>
+              <a:buFont typeface="Arial" panose="020B0604020202020204" pitchFamily="34" charset="0"/>
+              <a:buChar char="•"/>
+              <a:defRPr sz="1800" kern="1200">
+                <a:solidFill>
+                  <a:schemeClr val="tx1"/>
+                </a:solidFill>
+                <a:latin typeface="+mn-lt"/>
+                <a:ea typeface="+mn-ea"/>
+                <a:cs typeface="+mn-cs"/>
+              </a:defRPr>
+            </a:lvl9pPr>
+          </a:lstStyle>
+          <a:p>
+            <a:pPr marL="0" indent="0">
+              <a:lnSpc>
+                <a:spcPct val="100000"/>
+              </a:lnSpc>
+              <a:buNone/>
+            </a:pPr>
+            <a:r>
+              <a:rPr lang="en-US" sz="2400"/>
+              <a:t>i</a:t>
+            </a:r>
+            <a:r>
+              <a:rPr lang="en-VN" sz="2400"/>
+              <a:t>nt a = 1</a:t>
+            </a:r>
+          </a:p>
+        </p:txBody>
+      </p:sp>
+      <p:sp>
+        <p:nvSpPr>
+          <p:cNvPr id="13" name="Content Placeholder 2">
+            <a:extLst>
+              <a:ext uri="{FF2B5EF4-FFF2-40B4-BE49-F238E27FC236}">
+                <a16:creationId xmlns:a16="http://schemas.microsoft.com/office/drawing/2014/main" id="{FC62F0F1-B049-3390-5800-A0E91C167A8D}"/>
+              </a:ext>
+            </a:extLst>
+          </p:cNvPr>
+          <p:cNvSpPr txBox="1">
+            <a:spLocks/>
+          </p:cNvSpPr>
+          <p:nvPr/>
+        </p:nvSpPr>
+        <p:spPr>
+          <a:xfrm>
+            <a:off x="3712656" y="2383969"/>
+            <a:ext cx="1210519" cy="432133"/>
+          </a:xfrm>
+          <a:prstGeom prst="rect">
+            <a:avLst/>
+          </a:prstGeom>
+          <a:solidFill>
+            <a:srgbClr val="D9D9D9"/>
+          </a:solidFill>
+        </p:spPr>
+        <p:txBody>
+          <a:bodyPr vert="horz" lIns="91440" tIns="45720" rIns="91440" bIns="45720" rtlCol="0">
+            <a:normAutofit lnSpcReduction="10000"/>
+          </a:bodyPr>
+          <a:lstStyle>
+            <a:lvl1pPr marL="228600" indent="-228600" algn="l" defTabSz="914400" rtl="0" eaLnBrk="1" latinLnBrk="0" hangingPunct="1">
+              <a:lnSpc>
+                <a:spcPct val="90000"/>
+              </a:lnSpc>
+              <a:spcBef>
+                <a:spcPts val="1000"/>
+              </a:spcBef>
+              <a:buFont typeface="Arial" panose="020B0604020202020204" pitchFamily="34" charset="0"/>
+              <a:buChar char="•"/>
+              <a:defRPr sz="2800" kern="1200">
+                <a:solidFill>
+                  <a:schemeClr val="tx1"/>
+                </a:solidFill>
+                <a:latin typeface="+mn-lt"/>
+                <a:ea typeface="+mn-ea"/>
+                <a:cs typeface="+mn-cs"/>
+              </a:defRPr>
+            </a:lvl1pPr>
+            <a:lvl2pPr marL="685800" indent="-228600" algn="l" defTabSz="914400" rtl="0" eaLnBrk="1" latinLnBrk="0" hangingPunct="1">
+              <a:lnSpc>
+                <a:spcPct val="90000"/>
+              </a:lnSpc>
+              <a:spcBef>
+                <a:spcPts val="500"/>
+              </a:spcBef>
+              <a:buFont typeface="Arial" panose="020B0604020202020204" pitchFamily="34" charset="0"/>
+              <a:buChar char="•"/>
+              <a:defRPr sz="2400" kern="1200">
+                <a:solidFill>
+                  <a:schemeClr val="tx1"/>
+                </a:solidFill>
+                <a:latin typeface="+mn-lt"/>
+                <a:ea typeface="+mn-ea"/>
+                <a:cs typeface="+mn-cs"/>
+              </a:defRPr>
+            </a:lvl2pPr>
+            <a:lvl3pPr marL="1143000" indent="-228600" algn="l" defTabSz="914400" rtl="0" eaLnBrk="1" latinLnBrk="0" hangingPunct="1">
+              <a:lnSpc>
+                <a:spcPct val="90000"/>
+              </a:lnSpc>
+              <a:spcBef>
+                <a:spcPts val="500"/>
+              </a:spcBef>
+              <a:buFont typeface="Arial" panose="020B0604020202020204" pitchFamily="34" charset="0"/>
+              <a:buChar char="•"/>
+              <a:defRPr sz="2000" kern="1200">
+                <a:solidFill>
+                  <a:schemeClr val="tx1"/>
+                </a:solidFill>
+                <a:latin typeface="+mn-lt"/>
+                <a:ea typeface="+mn-ea"/>
+                <a:cs typeface="+mn-cs"/>
+              </a:defRPr>
+            </a:lvl3pPr>
+            <a:lvl4pPr marL="1600200" indent="-228600" algn="l" defTabSz="914400" rtl="0" eaLnBrk="1" latinLnBrk="0" hangingPunct="1">
+              <a:lnSpc>
+                <a:spcPct val="90000"/>
+              </a:lnSpc>
+              <a:spcBef>
+                <a:spcPts val="500"/>
+              </a:spcBef>
+              <a:buFont typeface="Arial" panose="020B0604020202020204" pitchFamily="34" charset="0"/>
+              <a:buChar char="•"/>
+              <a:defRPr sz="1800" kern="1200">
+                <a:solidFill>
+                  <a:schemeClr val="tx1"/>
+                </a:solidFill>
+                <a:latin typeface="+mn-lt"/>
+                <a:ea typeface="+mn-ea"/>
+                <a:cs typeface="+mn-cs"/>
+              </a:defRPr>
+            </a:lvl4pPr>
+            <a:lvl5pPr marL="2057400" indent="-228600" algn="l" defTabSz="914400" rtl="0" eaLnBrk="1" latinLnBrk="0" hangingPunct="1">
+              <a:lnSpc>
+                <a:spcPct val="90000"/>
+              </a:lnSpc>
+              <a:spcBef>
+                <a:spcPts val="500"/>
+              </a:spcBef>
+              <a:buFont typeface="Arial" panose="020B0604020202020204" pitchFamily="34" charset="0"/>
+              <a:buChar char="•"/>
+              <a:defRPr sz="1800" kern="1200">
+                <a:solidFill>
+                  <a:schemeClr val="tx1"/>
+                </a:solidFill>
+                <a:latin typeface="+mn-lt"/>
+                <a:ea typeface="+mn-ea"/>
+                <a:cs typeface="+mn-cs"/>
+              </a:defRPr>
+            </a:lvl5pPr>
+            <a:lvl6pPr marL="2514600" indent="-228600" algn="l" defTabSz="914400" rtl="0" eaLnBrk="1" latinLnBrk="0" hangingPunct="1">
+              <a:lnSpc>
+                <a:spcPct val="90000"/>
+              </a:lnSpc>
+              <a:spcBef>
+                <a:spcPts val="500"/>
+              </a:spcBef>
+              <a:buFont typeface="Arial" panose="020B0604020202020204" pitchFamily="34" charset="0"/>
+              <a:buChar char="•"/>
+              <a:defRPr sz="1800" kern="1200">
+                <a:solidFill>
+                  <a:schemeClr val="tx1"/>
+                </a:solidFill>
+                <a:latin typeface="+mn-lt"/>
+                <a:ea typeface="+mn-ea"/>
+                <a:cs typeface="+mn-cs"/>
+              </a:defRPr>
+            </a:lvl6pPr>
+            <a:lvl7pPr marL="2971800" indent="-228600" algn="l" defTabSz="914400" rtl="0" eaLnBrk="1" latinLnBrk="0" hangingPunct="1">
+              <a:lnSpc>
+                <a:spcPct val="90000"/>
+              </a:lnSpc>
+              <a:spcBef>
+                <a:spcPts val="500"/>
+              </a:spcBef>
+              <a:buFont typeface="Arial" panose="020B0604020202020204" pitchFamily="34" charset="0"/>
+              <a:buChar char="•"/>
+              <a:defRPr sz="1800" kern="1200">
+                <a:solidFill>
+                  <a:schemeClr val="tx1"/>
+                </a:solidFill>
+                <a:latin typeface="+mn-lt"/>
+                <a:ea typeface="+mn-ea"/>
+                <a:cs typeface="+mn-cs"/>
+              </a:defRPr>
+            </a:lvl7pPr>
+            <a:lvl8pPr marL="3429000" indent="-228600" algn="l" defTabSz="914400" rtl="0" eaLnBrk="1" latinLnBrk="0" hangingPunct="1">
+              <a:lnSpc>
+                <a:spcPct val="90000"/>
+              </a:lnSpc>
+              <a:spcBef>
+                <a:spcPts val="500"/>
+              </a:spcBef>
+              <a:buFont typeface="Arial" panose="020B0604020202020204" pitchFamily="34" charset="0"/>
+              <a:buChar char="•"/>
+              <a:defRPr sz="1800" kern="1200">
+                <a:solidFill>
+                  <a:schemeClr val="tx1"/>
+                </a:solidFill>
+                <a:latin typeface="+mn-lt"/>
+                <a:ea typeface="+mn-ea"/>
+                <a:cs typeface="+mn-cs"/>
+              </a:defRPr>
+            </a:lvl8pPr>
+            <a:lvl9pPr marL="3886200" indent="-228600" algn="l" defTabSz="914400" rtl="0" eaLnBrk="1" latinLnBrk="0" hangingPunct="1">
+              <a:lnSpc>
+                <a:spcPct val="90000"/>
+              </a:lnSpc>
+              <a:spcBef>
+                <a:spcPts val="500"/>
+              </a:spcBef>
+              <a:buFont typeface="Arial" panose="020B0604020202020204" pitchFamily="34" charset="0"/>
+              <a:buChar char="•"/>
+              <a:defRPr sz="1800" kern="1200">
+                <a:solidFill>
+                  <a:schemeClr val="tx1"/>
+                </a:solidFill>
+                <a:latin typeface="+mn-lt"/>
+                <a:ea typeface="+mn-ea"/>
+                <a:cs typeface="+mn-cs"/>
+              </a:defRPr>
+            </a:lvl9pPr>
+          </a:lstStyle>
+          <a:p>
+            <a:pPr marL="0" indent="0">
+              <a:lnSpc>
+                <a:spcPct val="100000"/>
+              </a:lnSpc>
+              <a:buNone/>
+            </a:pPr>
+            <a:r>
+              <a:rPr lang="en-US" sz="2400"/>
+              <a:t>i</a:t>
+            </a:r>
+            <a:r>
+              <a:rPr lang="en-VN" sz="2400"/>
+              <a:t>nt a = 1</a:t>
+            </a:r>
+          </a:p>
+        </p:txBody>
+      </p:sp>
+      <p:graphicFrame>
+        <p:nvGraphicFramePr>
+          <p:cNvPr id="3" name="Table 2">
+            <a:extLst>
+              <a:ext uri="{FF2B5EF4-FFF2-40B4-BE49-F238E27FC236}">
+                <a16:creationId xmlns:a16="http://schemas.microsoft.com/office/drawing/2014/main" id="{EF85944C-0785-425E-B4BD-F988FFB9E4FD}"/>
+              </a:ext>
+            </a:extLst>
+          </p:cNvPr>
+          <p:cNvGraphicFramePr>
+            <a:graphicFrameLocks noGrp="1"/>
+          </p:cNvGraphicFramePr>
+          <p:nvPr>
+            <p:extLst>
+              <p:ext uri="{D42A27DB-BD31-4B8C-83A1-F6EECF244321}">
+                <p14:modId xmlns:p14="http://schemas.microsoft.com/office/powerpoint/2010/main" val="3675490482"/>
+              </p:ext>
+            </p:extLst>
+          </p:nvPr>
+        </p:nvGraphicFramePr>
+        <p:xfrm>
+          <a:off x="3712656" y="5090799"/>
+          <a:ext cx="905375" cy="1463040"/>
+        </p:xfrm>
+        <a:graphic>
+          <a:graphicData uri="http://schemas.openxmlformats.org/drawingml/2006/table">
+            <a:tbl>
+              <a:tblPr>
+                <a:tableStyleId>{5C22544A-7EE6-4342-B048-85BDC9FD1C3A}</a:tableStyleId>
+              </a:tblPr>
+              <a:tblGrid>
+                <a:gridCol w="905375">
+                  <a:extLst>
+                    <a:ext uri="{9D8B030D-6E8A-4147-A177-3AD203B41FA5}">
+                      <a16:colId xmlns:a16="http://schemas.microsoft.com/office/drawing/2014/main" val="1234399600"/>
+                    </a:ext>
+                  </a:extLst>
+                </a:gridCol>
+              </a:tblGrid>
+              <a:tr h="370840">
+                <a:tc>
+                  <a:txBody>
+                    <a:bodyPr/>
+                    <a:lstStyle/>
+                    <a:p>
+                      <a:r>
+                        <a:rPr lang="en-US" sz="2600"/>
+                        <a:t>a</a:t>
+                      </a:r>
+                    </a:p>
+                  </a:txBody>
+                  <a:tcPr>
+                    <a:lnL w="12700" cap="flat" cmpd="sng" algn="ctr">
+                      <a:solidFill>
+                        <a:schemeClr val="tx1"/>
+                      </a:solidFill>
+                      <a:prstDash val="solid"/>
+                      <a:round/>
+                      <a:headEnd type="none" w="med" len="med"/>
+                      <a:tailEnd type="none" w="med" len="med"/>
+                    </a:lnL>
+                    <a:lnR w="12700" cap="flat" cmpd="sng" algn="ctr">
+                      <a:solidFill>
+                        <a:schemeClr val="tx1"/>
+                      </a:solidFill>
+                      <a:prstDash val="solid"/>
+                      <a:round/>
+                      <a:headEnd type="none" w="med" len="med"/>
+                      <a:tailEnd type="none" w="med" len="med"/>
+                    </a:lnR>
+                    <a:lnT w="12700" cap="flat" cmpd="sng" algn="ctr">
+                      <a:solidFill>
+                        <a:schemeClr val="tx1"/>
+                      </a:solidFill>
+                      <a:prstDash val="solid"/>
+                      <a:round/>
+                      <a:headEnd type="none" w="med" len="med"/>
+                      <a:tailEnd type="none" w="med" len="med"/>
+                    </a:lnT>
+                    <a:lnB w="12700" cap="flat" cmpd="sng" algn="ctr">
+                      <a:solidFill>
+                        <a:schemeClr val="tx1"/>
+                      </a:solidFill>
+                      <a:prstDash val="solid"/>
+                      <a:round/>
+                      <a:headEnd type="none" w="med" len="med"/>
+                      <a:tailEnd type="none" w="med" len="med"/>
+                    </a:lnB>
+                    <a:solidFill>
+                      <a:schemeClr val="bg1"/>
+                    </a:solidFill>
+                  </a:tcPr>
+                </a:tc>
+                <a:extLst>
+                  <a:ext uri="{0D108BD9-81ED-4DB2-BD59-A6C34878D82A}">
+                    <a16:rowId xmlns:a16="http://schemas.microsoft.com/office/drawing/2014/main" val="140790062"/>
+                  </a:ext>
+                </a:extLst>
+              </a:tr>
+              <a:tr h="370840">
+                <a:tc>
+                  <a:txBody>
+                    <a:bodyPr/>
+                    <a:lstStyle/>
+                    <a:p>
+                      <a:r>
+                        <a:rPr lang="en-US" sz="2600" b="1"/>
+                        <a:t>a’</a:t>
+                      </a:r>
+                    </a:p>
+                  </a:txBody>
+                  <a:tcPr>
+                    <a:lnL w="12700" cap="flat" cmpd="sng" algn="ctr">
+                      <a:solidFill>
+                        <a:schemeClr val="tx1"/>
+                      </a:solidFill>
+                      <a:prstDash val="solid"/>
+                      <a:round/>
+                      <a:headEnd type="none" w="med" len="med"/>
+                      <a:tailEnd type="none" w="med" len="med"/>
+                    </a:lnL>
+                    <a:lnR w="12700" cap="flat" cmpd="sng" algn="ctr">
+                      <a:solidFill>
+                        <a:schemeClr val="tx1"/>
+                      </a:solidFill>
+                      <a:prstDash val="solid"/>
+                      <a:round/>
+                      <a:headEnd type="none" w="med" len="med"/>
+                      <a:tailEnd type="none" w="med" len="med"/>
+                    </a:lnR>
+                    <a:lnT w="12700" cap="flat" cmpd="sng" algn="ctr">
+                      <a:solidFill>
+                        <a:schemeClr val="tx1"/>
+                      </a:solidFill>
+                      <a:prstDash val="solid"/>
+                      <a:round/>
+                      <a:headEnd type="none" w="med" len="med"/>
+                      <a:tailEnd type="none" w="med" len="med"/>
+                    </a:lnT>
+                    <a:lnB w="12700" cap="flat" cmpd="sng" algn="ctr">
+                      <a:solidFill>
+                        <a:schemeClr val="tx1"/>
+                      </a:solidFill>
+                      <a:prstDash val="solid"/>
+                      <a:round/>
+                      <a:headEnd type="none" w="med" len="med"/>
+                      <a:tailEnd type="none" w="med" len="med"/>
+                    </a:lnB>
+                    <a:solidFill>
+                      <a:schemeClr val="bg1"/>
+                    </a:solidFill>
+                  </a:tcPr>
+                </a:tc>
+                <a:extLst>
+                  <a:ext uri="{0D108BD9-81ED-4DB2-BD59-A6C34878D82A}">
+                    <a16:rowId xmlns:a16="http://schemas.microsoft.com/office/drawing/2014/main" val="2051485560"/>
+                  </a:ext>
+                </a:extLst>
+              </a:tr>
+              <a:tr h="370840">
+                <a:tc>
+                  <a:txBody>
+                    <a:bodyPr/>
+                    <a:lstStyle/>
+                    <a:p>
+                      <a:r>
+                        <a:rPr lang="en-US" sz="2600" b="1"/>
+                        <a:t>RAM</a:t>
+                      </a:r>
+                    </a:p>
+                  </a:txBody>
+                  <a:tcPr>
+                    <a:lnL w="12700" cap="flat" cmpd="sng" algn="ctr">
+                      <a:solidFill>
+                        <a:schemeClr val="tx1"/>
+                      </a:solidFill>
+                      <a:prstDash val="solid"/>
+                      <a:round/>
+                      <a:headEnd type="none" w="med" len="med"/>
+                      <a:tailEnd type="none" w="med" len="med"/>
+                    </a:lnL>
+                    <a:lnR w="12700" cap="flat" cmpd="sng" algn="ctr">
+                      <a:solidFill>
+                        <a:schemeClr val="tx1"/>
+                      </a:solidFill>
+                      <a:prstDash val="solid"/>
+                      <a:round/>
+                      <a:headEnd type="none" w="med" len="med"/>
+                      <a:tailEnd type="none" w="med" len="med"/>
+                    </a:lnR>
+                    <a:lnT w="12700" cap="flat" cmpd="sng" algn="ctr">
+                      <a:solidFill>
+                        <a:schemeClr val="tx1"/>
+                      </a:solidFill>
+                      <a:prstDash val="solid"/>
+                      <a:round/>
+                      <a:headEnd type="none" w="med" len="med"/>
+                      <a:tailEnd type="none" w="med" len="med"/>
+                    </a:lnT>
+                    <a:lnB w="12700" cap="flat" cmpd="sng" algn="ctr">
+                      <a:solidFill>
+                        <a:schemeClr val="tx1"/>
+                      </a:solidFill>
+                      <a:prstDash val="solid"/>
+                      <a:round/>
+                      <a:headEnd type="none" w="med" len="med"/>
+                      <a:tailEnd type="none" w="med" len="med"/>
+                    </a:lnB>
+                    <a:solidFill>
+                      <a:schemeClr val="bg1"/>
+                    </a:solidFill>
+                  </a:tcPr>
+                </a:tc>
+                <a:extLst>
+                  <a:ext uri="{0D108BD9-81ED-4DB2-BD59-A6C34878D82A}">
+                    <a16:rowId xmlns:a16="http://schemas.microsoft.com/office/drawing/2014/main" val="3385658485"/>
+                  </a:ext>
+                </a:extLst>
+              </a:tr>
+            </a:tbl>
+          </a:graphicData>
+        </a:graphic>
+      </p:graphicFrame>
+      <p:graphicFrame>
+        <p:nvGraphicFramePr>
+          <p:cNvPr id="5" name="Table 4">
+            <a:extLst>
+              <a:ext uri="{FF2B5EF4-FFF2-40B4-BE49-F238E27FC236}">
+                <a16:creationId xmlns:a16="http://schemas.microsoft.com/office/drawing/2014/main" id="{211DE05B-DBEB-C91A-2B94-90AD1DC7AA83}"/>
+              </a:ext>
+            </a:extLst>
+          </p:cNvPr>
+          <p:cNvGraphicFramePr>
+            <a:graphicFrameLocks noGrp="1"/>
+          </p:cNvGraphicFramePr>
+          <p:nvPr>
+            <p:extLst>
+              <p:ext uri="{D42A27DB-BD31-4B8C-83A1-F6EECF244321}">
+                <p14:modId xmlns:p14="http://schemas.microsoft.com/office/powerpoint/2010/main" val="3100315237"/>
+              </p:ext>
+            </p:extLst>
+          </p:nvPr>
+        </p:nvGraphicFramePr>
+        <p:xfrm>
+          <a:off x="5190625" y="5079601"/>
+          <a:ext cx="905375" cy="1463040"/>
+        </p:xfrm>
+        <a:graphic>
+          <a:graphicData uri="http://schemas.openxmlformats.org/drawingml/2006/table">
+            <a:tbl>
+              <a:tblPr>
+                <a:tableStyleId>{5C22544A-7EE6-4342-B048-85BDC9FD1C3A}</a:tableStyleId>
+              </a:tblPr>
+              <a:tblGrid>
+                <a:gridCol w="905375">
+                  <a:extLst>
+                    <a:ext uri="{9D8B030D-6E8A-4147-A177-3AD203B41FA5}">
+                      <a16:colId xmlns:a16="http://schemas.microsoft.com/office/drawing/2014/main" val="1234399600"/>
+                    </a:ext>
+                  </a:extLst>
+                </a:gridCol>
+              </a:tblGrid>
+              <a:tr h="370840">
+                <a:tc>
+                  <a:txBody>
+                    <a:bodyPr/>
+                    <a:lstStyle/>
+                    <a:p>
+                      <a:r>
+                        <a:rPr lang="en-US" sz="2600"/>
+                        <a:t>1</a:t>
+                      </a:r>
+                    </a:p>
+                  </a:txBody>
+                  <a:tcPr>
+                    <a:lnL w="12700" cap="flat" cmpd="sng" algn="ctr">
+                      <a:solidFill>
+                        <a:schemeClr val="tx1"/>
+                      </a:solidFill>
+                      <a:prstDash val="solid"/>
+                      <a:round/>
+                      <a:headEnd type="none" w="med" len="med"/>
+                      <a:tailEnd type="none" w="med" len="med"/>
+                    </a:lnL>
+                    <a:lnR w="12700" cap="flat" cmpd="sng" algn="ctr">
+                      <a:solidFill>
+                        <a:schemeClr val="tx1"/>
+                      </a:solidFill>
+                      <a:prstDash val="solid"/>
+                      <a:round/>
+                      <a:headEnd type="none" w="med" len="med"/>
+                      <a:tailEnd type="none" w="med" len="med"/>
+                    </a:lnR>
+                    <a:lnT w="12700" cap="flat" cmpd="sng" algn="ctr">
+                      <a:solidFill>
+                        <a:schemeClr val="tx1"/>
+                      </a:solidFill>
+                      <a:prstDash val="solid"/>
+                      <a:round/>
+                      <a:headEnd type="none" w="med" len="med"/>
+                      <a:tailEnd type="none" w="med" len="med"/>
+                    </a:lnT>
+                    <a:lnB w="12700" cap="flat" cmpd="sng" algn="ctr">
+                      <a:solidFill>
+                        <a:schemeClr val="tx1"/>
+                      </a:solidFill>
+                      <a:prstDash val="solid"/>
+                      <a:round/>
+                      <a:headEnd type="none" w="med" len="med"/>
+                      <a:tailEnd type="none" w="med" len="med"/>
+                    </a:lnB>
+                    <a:solidFill>
+                      <a:schemeClr val="bg1"/>
+                    </a:solidFill>
+                  </a:tcPr>
+                </a:tc>
+                <a:extLst>
+                  <a:ext uri="{0D108BD9-81ED-4DB2-BD59-A6C34878D82A}">
+                    <a16:rowId xmlns:a16="http://schemas.microsoft.com/office/drawing/2014/main" val="140790062"/>
+                  </a:ext>
+                </a:extLst>
+              </a:tr>
+              <a:tr h="370840">
+                <a:tc>
+                  <a:txBody>
+                    <a:bodyPr/>
+                    <a:lstStyle/>
+                    <a:p>
+                      <a:r>
+                        <a:rPr lang="en-US" sz="2600"/>
+                        <a:t>…</a:t>
+                      </a:r>
+                    </a:p>
+                  </a:txBody>
+                  <a:tcPr>
+                    <a:lnL w="12700" cap="flat" cmpd="sng" algn="ctr">
+                      <a:solidFill>
+                        <a:schemeClr val="tx1"/>
+                      </a:solidFill>
+                      <a:prstDash val="solid"/>
+                      <a:round/>
+                      <a:headEnd type="none" w="med" len="med"/>
+                      <a:tailEnd type="none" w="med" len="med"/>
+                    </a:lnL>
+                    <a:lnR w="12700" cap="flat" cmpd="sng" algn="ctr">
+                      <a:solidFill>
+                        <a:schemeClr val="tx1"/>
+                      </a:solidFill>
+                      <a:prstDash val="solid"/>
+                      <a:round/>
+                      <a:headEnd type="none" w="med" len="med"/>
+                      <a:tailEnd type="none" w="med" len="med"/>
+                    </a:lnR>
+                    <a:lnT w="12700" cap="flat" cmpd="sng" algn="ctr">
+                      <a:solidFill>
+                        <a:schemeClr val="tx1"/>
+                      </a:solidFill>
+                      <a:prstDash val="solid"/>
+                      <a:round/>
+                      <a:headEnd type="none" w="med" len="med"/>
+                      <a:tailEnd type="none" w="med" len="med"/>
+                    </a:lnT>
+                    <a:lnB w="12700" cap="flat" cmpd="sng" algn="ctr">
+                      <a:solidFill>
+                        <a:schemeClr val="tx1"/>
+                      </a:solidFill>
+                      <a:prstDash val="solid"/>
+                      <a:round/>
+                      <a:headEnd type="none" w="med" len="med"/>
+                      <a:tailEnd type="none" w="med" len="med"/>
+                    </a:lnB>
+                    <a:solidFill>
+                      <a:schemeClr val="bg1"/>
+                    </a:solidFill>
+                  </a:tcPr>
+                </a:tc>
+                <a:extLst>
+                  <a:ext uri="{0D108BD9-81ED-4DB2-BD59-A6C34878D82A}">
+                    <a16:rowId xmlns:a16="http://schemas.microsoft.com/office/drawing/2014/main" val="2051485560"/>
+                  </a:ext>
+                </a:extLst>
+              </a:tr>
+              <a:tr h="370840">
+                <a:tc>
+                  <a:txBody>
+                    <a:bodyPr/>
+                    <a:lstStyle/>
+                    <a:p>
+                      <a:r>
+                        <a:rPr lang="en-US" sz="2600" b="1"/>
+                        <a:t>RAM</a:t>
+                      </a:r>
+                    </a:p>
+                  </a:txBody>
+                  <a:tcPr>
+                    <a:lnL w="12700" cap="flat" cmpd="sng" algn="ctr">
+                      <a:solidFill>
+                        <a:schemeClr val="tx1"/>
+                      </a:solidFill>
+                      <a:prstDash val="solid"/>
+                      <a:round/>
+                      <a:headEnd type="none" w="med" len="med"/>
+                      <a:tailEnd type="none" w="med" len="med"/>
+                    </a:lnL>
+                    <a:lnR w="12700" cap="flat" cmpd="sng" algn="ctr">
+                      <a:solidFill>
+                        <a:schemeClr val="tx1"/>
+                      </a:solidFill>
+                      <a:prstDash val="solid"/>
+                      <a:round/>
+                      <a:headEnd type="none" w="med" len="med"/>
+                      <a:tailEnd type="none" w="med" len="med"/>
+                    </a:lnR>
+                    <a:lnT w="12700" cap="flat" cmpd="sng" algn="ctr">
+                      <a:solidFill>
+                        <a:schemeClr val="tx1"/>
+                      </a:solidFill>
+                      <a:prstDash val="solid"/>
+                      <a:round/>
+                      <a:headEnd type="none" w="med" len="med"/>
+                      <a:tailEnd type="none" w="med" len="med"/>
+                    </a:lnT>
+                    <a:lnB w="12700" cap="flat" cmpd="sng" algn="ctr">
+                      <a:solidFill>
+                        <a:schemeClr val="tx1"/>
+                      </a:solidFill>
+                      <a:prstDash val="solid"/>
+                      <a:round/>
+                      <a:headEnd type="none" w="med" len="med"/>
+                      <a:tailEnd type="none" w="med" len="med"/>
+                    </a:lnB>
+                    <a:solidFill>
+                      <a:schemeClr val="bg1"/>
+                    </a:solidFill>
+                  </a:tcPr>
+                </a:tc>
+                <a:extLst>
+                  <a:ext uri="{0D108BD9-81ED-4DB2-BD59-A6C34878D82A}">
+                    <a16:rowId xmlns:a16="http://schemas.microsoft.com/office/drawing/2014/main" val="3385658485"/>
+                  </a:ext>
+                </a:extLst>
+              </a:tr>
+            </a:tbl>
+          </a:graphicData>
+        </a:graphic>
+      </p:graphicFrame>
+      <p:cxnSp>
+        <p:nvCxnSpPr>
+          <p:cNvPr id="10" name="Straight Arrow Connector 9">
+            <a:extLst>
+              <a:ext uri="{FF2B5EF4-FFF2-40B4-BE49-F238E27FC236}">
+                <a16:creationId xmlns:a16="http://schemas.microsoft.com/office/drawing/2014/main" id="{8DF54EA8-1047-54CF-58E9-4945678EAB67}"/>
+              </a:ext>
+            </a:extLst>
+          </p:cNvPr>
+          <p:cNvCxnSpPr>
+            <a:cxnSpLocks/>
+          </p:cNvCxnSpPr>
+          <p:nvPr/>
+        </p:nvCxnSpPr>
+        <p:spPr>
+          <a:xfrm>
+            <a:off x="4618031" y="5337111"/>
+            <a:ext cx="572594" cy="0"/>
+          </a:xfrm>
+          <a:prstGeom prst="straightConnector1">
+            <a:avLst/>
+          </a:prstGeom>
+          <a:ln w="38100">
+            <a:solidFill>
+              <a:schemeClr val="tx1"/>
+            </a:solidFill>
+            <a:tailEnd type="triangle"/>
+          </a:ln>
+        </p:spPr>
+        <p:style>
+          <a:lnRef idx="1">
+            <a:schemeClr val="accent1"/>
+          </a:lnRef>
+          <a:fillRef idx="0">
+            <a:schemeClr val="accent1"/>
+          </a:fillRef>
+          <a:effectRef idx="0">
+            <a:schemeClr val="accent1"/>
+          </a:effectRef>
+          <a:fontRef idx="minor">
+            <a:schemeClr val="tx1"/>
+          </a:fontRef>
+        </p:style>
+      </p:cxnSp>
+      <p:cxnSp>
+        <p:nvCxnSpPr>
+          <p:cNvPr id="11" name="Straight Arrow Connector 10">
+            <a:extLst>
+              <a:ext uri="{FF2B5EF4-FFF2-40B4-BE49-F238E27FC236}">
+                <a16:creationId xmlns:a16="http://schemas.microsoft.com/office/drawing/2014/main" id="{FC3C5229-CD34-81B2-A782-C6BFC1140530}"/>
+              </a:ext>
+            </a:extLst>
+          </p:cNvPr>
+          <p:cNvCxnSpPr>
+            <a:cxnSpLocks/>
+            <a:stCxn id="3" idx="3"/>
+          </p:cNvCxnSpPr>
+          <p:nvPr/>
+        </p:nvCxnSpPr>
+        <p:spPr>
+          <a:xfrm flipV="1">
+            <a:off x="4618031" y="5371412"/>
+            <a:ext cx="572594" cy="450907"/>
+          </a:xfrm>
+          <a:prstGeom prst="straightConnector1">
+            <a:avLst/>
+          </a:prstGeom>
+          <a:ln w="38100">
+            <a:solidFill>
+              <a:schemeClr val="tx1"/>
+            </a:solidFill>
+            <a:tailEnd type="triangle"/>
+          </a:ln>
+        </p:spPr>
+        <p:style>
+          <a:lnRef idx="1">
+            <a:schemeClr val="accent1"/>
+          </a:lnRef>
+          <a:fillRef idx="0">
+            <a:schemeClr val="accent1"/>
+          </a:fillRef>
+          <a:effectRef idx="0">
+            <a:schemeClr val="accent1"/>
+          </a:effectRef>
+          <a:fontRef idx="minor">
+            <a:schemeClr val="tx1"/>
+          </a:fontRef>
+        </p:style>
+      </p:cxnSp>
+      <p:sp>
+        <p:nvSpPr>
+          <p:cNvPr id="15" name="TextBox 14">
+            <a:extLst>
+              <a:ext uri="{FF2B5EF4-FFF2-40B4-BE49-F238E27FC236}">
+                <a16:creationId xmlns:a16="http://schemas.microsoft.com/office/drawing/2014/main" id="{DDFAE7C8-FA4F-2DDD-8B15-41479AC0BEBD}"/>
+              </a:ext>
+            </a:extLst>
+          </p:cNvPr>
+          <p:cNvSpPr txBox="1"/>
+          <p:nvPr/>
+        </p:nvSpPr>
+        <p:spPr>
+          <a:xfrm rot="5400000">
+            <a:off x="4140186" y="6117027"/>
+            <a:ext cx="1491732" cy="369332"/>
+          </a:xfrm>
+          <a:prstGeom prst="rect">
+            <a:avLst/>
+          </a:prstGeom>
+          <a:noFill/>
+        </p:spPr>
+        <p:txBody>
+          <a:bodyPr wrap="square">
+            <a:spAutoFit/>
+          </a:bodyPr>
+          <a:lstStyle/>
+          <a:p>
+            <a:pPr marL="0" indent="0" algn="ctr">
+              <a:lnSpc>
+                <a:spcPct val="100000"/>
+              </a:lnSpc>
+              <a:buNone/>
+            </a:pPr>
+            <a:r>
+              <a:rPr lang="en-US">
+                <a:solidFill>
+                  <a:srgbClr val="FF0000"/>
+                </a:solidFill>
+              </a:rPr>
+              <a:t>Reference</a:t>
+            </a:r>
+          </a:p>
+        </p:txBody>
+      </p:sp>
+      <p:graphicFrame>
+        <p:nvGraphicFramePr>
+          <p:cNvPr id="16" name="Table 15">
+            <a:extLst>
+              <a:ext uri="{FF2B5EF4-FFF2-40B4-BE49-F238E27FC236}">
+                <a16:creationId xmlns:a16="http://schemas.microsoft.com/office/drawing/2014/main" id="{F3C3B183-D206-0E91-1E3E-8DAAC3909C16}"/>
+              </a:ext>
+            </a:extLst>
+          </p:cNvPr>
+          <p:cNvGraphicFramePr>
+            <a:graphicFrameLocks noGrp="1"/>
+          </p:cNvGraphicFramePr>
+          <p:nvPr>
+            <p:extLst>
+              <p:ext uri="{D42A27DB-BD31-4B8C-83A1-F6EECF244321}">
+                <p14:modId xmlns:p14="http://schemas.microsoft.com/office/powerpoint/2010/main" val="429959887"/>
+              </p:ext>
+            </p:extLst>
+          </p:nvPr>
+        </p:nvGraphicFramePr>
+        <p:xfrm>
+          <a:off x="838200" y="5090799"/>
+          <a:ext cx="980331" cy="1463040"/>
+        </p:xfrm>
+        <a:graphic>
+          <a:graphicData uri="http://schemas.openxmlformats.org/drawingml/2006/table">
+            <a:tbl>
+              <a:tblPr>
+                <a:tableStyleId>{5C22544A-7EE6-4342-B048-85BDC9FD1C3A}</a:tableStyleId>
+              </a:tblPr>
+              <a:tblGrid>
+                <a:gridCol w="980331">
+                  <a:extLst>
+                    <a:ext uri="{9D8B030D-6E8A-4147-A177-3AD203B41FA5}">
+                      <a16:colId xmlns:a16="http://schemas.microsoft.com/office/drawing/2014/main" val="1234399600"/>
+                    </a:ext>
+                  </a:extLst>
+                </a:gridCol>
+              </a:tblGrid>
+              <a:tr h="370840">
+                <a:tc>
+                  <a:txBody>
+                    <a:bodyPr/>
+                    <a:lstStyle/>
+                    <a:p>
+                      <a:r>
+                        <a:rPr lang="en-US" sz="2600"/>
+                        <a:t>a</a:t>
+                      </a:r>
+                    </a:p>
+                  </a:txBody>
+                  <a:tcPr>
+                    <a:lnL w="12700" cap="flat" cmpd="sng" algn="ctr">
+                      <a:solidFill>
+                        <a:schemeClr val="tx1"/>
+                      </a:solidFill>
+                      <a:prstDash val="solid"/>
+                      <a:round/>
+                      <a:headEnd type="none" w="med" len="med"/>
+                      <a:tailEnd type="none" w="med" len="med"/>
+                    </a:lnL>
+                    <a:lnR w="12700" cap="flat" cmpd="sng" algn="ctr">
+                      <a:solidFill>
+                        <a:schemeClr val="tx1"/>
+                      </a:solidFill>
+                      <a:prstDash val="solid"/>
+                      <a:round/>
+                      <a:headEnd type="none" w="med" len="med"/>
+                      <a:tailEnd type="none" w="med" len="med"/>
+                    </a:lnR>
+                    <a:lnT w="12700" cap="flat" cmpd="sng" algn="ctr">
+                      <a:solidFill>
+                        <a:schemeClr val="tx1"/>
+                      </a:solidFill>
+                      <a:prstDash val="solid"/>
+                      <a:round/>
+                      <a:headEnd type="none" w="med" len="med"/>
+                      <a:tailEnd type="none" w="med" len="med"/>
+                    </a:lnT>
+                    <a:lnB w="12700" cap="flat" cmpd="sng" algn="ctr">
+                      <a:solidFill>
+                        <a:schemeClr val="tx1"/>
+                      </a:solidFill>
+                      <a:prstDash val="solid"/>
+                      <a:round/>
+                      <a:headEnd type="none" w="med" len="med"/>
+                      <a:tailEnd type="none" w="med" len="med"/>
+                    </a:lnB>
+                    <a:solidFill>
+                      <a:schemeClr val="bg1"/>
+                    </a:solidFill>
+                  </a:tcPr>
+                </a:tc>
+                <a:extLst>
+                  <a:ext uri="{0D108BD9-81ED-4DB2-BD59-A6C34878D82A}">
+                    <a16:rowId xmlns:a16="http://schemas.microsoft.com/office/drawing/2014/main" val="140790062"/>
+                  </a:ext>
+                </a:extLst>
+              </a:tr>
+              <a:tr h="370840">
+                <a:tc>
+                  <a:txBody>
+                    <a:bodyPr/>
+                    <a:lstStyle/>
+                    <a:p>
+                      <a:r>
+                        <a:rPr lang="en-US" sz="2600" b="1"/>
+                        <a:t>a’</a:t>
+                      </a:r>
+                    </a:p>
+                  </a:txBody>
+                  <a:tcPr>
+                    <a:lnL w="12700" cap="flat" cmpd="sng" algn="ctr">
+                      <a:solidFill>
+                        <a:schemeClr val="tx1"/>
+                      </a:solidFill>
+                      <a:prstDash val="solid"/>
+                      <a:round/>
+                      <a:headEnd type="none" w="med" len="med"/>
+                      <a:tailEnd type="none" w="med" len="med"/>
+                    </a:lnL>
+                    <a:lnR w="12700" cap="flat" cmpd="sng" algn="ctr">
+                      <a:solidFill>
+                        <a:schemeClr val="tx1"/>
+                      </a:solidFill>
+                      <a:prstDash val="solid"/>
+                      <a:round/>
+                      <a:headEnd type="none" w="med" len="med"/>
+                      <a:tailEnd type="none" w="med" len="med"/>
+                    </a:lnR>
+                    <a:lnT w="12700" cap="flat" cmpd="sng" algn="ctr">
+                      <a:solidFill>
+                        <a:schemeClr val="tx1"/>
+                      </a:solidFill>
+                      <a:prstDash val="solid"/>
+                      <a:round/>
+                      <a:headEnd type="none" w="med" len="med"/>
+                      <a:tailEnd type="none" w="med" len="med"/>
+                    </a:lnT>
+                    <a:lnB w="12700" cap="flat" cmpd="sng" algn="ctr">
+                      <a:solidFill>
+                        <a:schemeClr val="tx1"/>
+                      </a:solidFill>
+                      <a:prstDash val="solid"/>
+                      <a:round/>
+                      <a:headEnd type="none" w="med" len="med"/>
+                      <a:tailEnd type="none" w="med" len="med"/>
+                    </a:lnB>
+                    <a:solidFill>
+                      <a:schemeClr val="bg1"/>
+                    </a:solidFill>
+                  </a:tcPr>
+                </a:tc>
+                <a:extLst>
+                  <a:ext uri="{0D108BD9-81ED-4DB2-BD59-A6C34878D82A}">
+                    <a16:rowId xmlns:a16="http://schemas.microsoft.com/office/drawing/2014/main" val="2051485560"/>
+                  </a:ext>
+                </a:extLst>
+              </a:tr>
+              <a:tr h="370840">
+                <a:tc>
+                  <a:txBody>
+                    <a:bodyPr/>
+                    <a:lstStyle/>
+                    <a:p>
+                      <a:r>
+                        <a:rPr lang="en-US" sz="2600" b="1"/>
+                        <a:t>RAM</a:t>
+                      </a:r>
+                    </a:p>
+                  </a:txBody>
+                  <a:tcPr>
+                    <a:lnL w="12700" cap="flat" cmpd="sng" algn="ctr">
+                      <a:solidFill>
+                        <a:schemeClr val="tx1"/>
+                      </a:solidFill>
+                      <a:prstDash val="solid"/>
+                      <a:round/>
+                      <a:headEnd type="none" w="med" len="med"/>
+                      <a:tailEnd type="none" w="med" len="med"/>
+                    </a:lnL>
+                    <a:lnR w="12700" cap="flat" cmpd="sng" algn="ctr">
+                      <a:solidFill>
+                        <a:schemeClr val="tx1"/>
+                      </a:solidFill>
+                      <a:prstDash val="solid"/>
+                      <a:round/>
+                      <a:headEnd type="none" w="med" len="med"/>
+                      <a:tailEnd type="none" w="med" len="med"/>
+                    </a:lnR>
+                    <a:lnT w="12700" cap="flat" cmpd="sng" algn="ctr">
+                      <a:solidFill>
+                        <a:schemeClr val="tx1"/>
+                      </a:solidFill>
+                      <a:prstDash val="solid"/>
+                      <a:round/>
+                      <a:headEnd type="none" w="med" len="med"/>
+                      <a:tailEnd type="none" w="med" len="med"/>
+                    </a:lnT>
+                    <a:lnB w="12700" cap="flat" cmpd="sng" algn="ctr">
+                      <a:solidFill>
+                        <a:schemeClr val="tx1"/>
+                      </a:solidFill>
+                      <a:prstDash val="solid"/>
+                      <a:round/>
+                      <a:headEnd type="none" w="med" len="med"/>
+                      <a:tailEnd type="none" w="med" len="med"/>
+                    </a:lnB>
+                    <a:solidFill>
+                      <a:schemeClr val="bg1"/>
+                    </a:solidFill>
+                  </a:tcPr>
+                </a:tc>
+                <a:extLst>
+                  <a:ext uri="{0D108BD9-81ED-4DB2-BD59-A6C34878D82A}">
+                    <a16:rowId xmlns:a16="http://schemas.microsoft.com/office/drawing/2014/main" val="3385658485"/>
+                  </a:ext>
+                </a:extLst>
+              </a:tr>
+            </a:tbl>
+          </a:graphicData>
+        </a:graphic>
+      </p:graphicFrame>
+      <p:graphicFrame>
+        <p:nvGraphicFramePr>
+          <p:cNvPr id="17" name="Table 16">
+            <a:extLst>
+              <a:ext uri="{FF2B5EF4-FFF2-40B4-BE49-F238E27FC236}">
+                <a16:creationId xmlns:a16="http://schemas.microsoft.com/office/drawing/2014/main" id="{1E7DFE97-5477-4799-D264-09912F602194}"/>
+              </a:ext>
+            </a:extLst>
+          </p:cNvPr>
+          <p:cNvGraphicFramePr>
+            <a:graphicFrameLocks noGrp="1"/>
+          </p:cNvGraphicFramePr>
+          <p:nvPr>
+            <p:extLst>
+              <p:ext uri="{D42A27DB-BD31-4B8C-83A1-F6EECF244321}">
+                <p14:modId xmlns:p14="http://schemas.microsoft.com/office/powerpoint/2010/main" val="3245843406"/>
+              </p:ext>
+            </p:extLst>
+          </p:nvPr>
+        </p:nvGraphicFramePr>
+        <p:xfrm>
+          <a:off x="2205446" y="5079601"/>
+          <a:ext cx="905374" cy="1463040"/>
+        </p:xfrm>
+        <a:graphic>
+          <a:graphicData uri="http://schemas.openxmlformats.org/drawingml/2006/table">
+            <a:tbl>
+              <a:tblPr>
+                <a:tableStyleId>{5C22544A-7EE6-4342-B048-85BDC9FD1C3A}</a:tableStyleId>
+              </a:tblPr>
+              <a:tblGrid>
+                <a:gridCol w="905374">
+                  <a:extLst>
+                    <a:ext uri="{9D8B030D-6E8A-4147-A177-3AD203B41FA5}">
+                      <a16:colId xmlns:a16="http://schemas.microsoft.com/office/drawing/2014/main" val="1234399600"/>
+                    </a:ext>
+                  </a:extLst>
+                </a:gridCol>
+              </a:tblGrid>
+              <a:tr h="370840">
+                <a:tc>
+                  <a:txBody>
+                    <a:bodyPr/>
+                    <a:lstStyle/>
+                    <a:p>
+                      <a:r>
+                        <a:rPr lang="en-US" sz="2600"/>
+                        <a:t>1</a:t>
+                      </a:r>
+                    </a:p>
+                  </a:txBody>
+                  <a:tcPr>
+                    <a:lnL w="12700" cap="flat" cmpd="sng" algn="ctr">
+                      <a:solidFill>
+                        <a:schemeClr val="tx1"/>
+                      </a:solidFill>
+                      <a:prstDash val="solid"/>
+                      <a:round/>
+                      <a:headEnd type="none" w="med" len="med"/>
+                      <a:tailEnd type="none" w="med" len="med"/>
+                    </a:lnL>
+                    <a:lnR w="12700" cap="flat" cmpd="sng" algn="ctr">
+                      <a:solidFill>
+                        <a:schemeClr val="tx1"/>
+                      </a:solidFill>
+                      <a:prstDash val="solid"/>
+                      <a:round/>
+                      <a:headEnd type="none" w="med" len="med"/>
+                      <a:tailEnd type="none" w="med" len="med"/>
+                    </a:lnR>
+                    <a:lnT w="12700" cap="flat" cmpd="sng" algn="ctr">
+                      <a:solidFill>
+                        <a:schemeClr val="tx1"/>
+                      </a:solidFill>
+                      <a:prstDash val="solid"/>
+                      <a:round/>
+                      <a:headEnd type="none" w="med" len="med"/>
+                      <a:tailEnd type="none" w="med" len="med"/>
+                    </a:lnT>
+                    <a:lnB w="12700" cap="flat" cmpd="sng" algn="ctr">
+                      <a:solidFill>
+                        <a:schemeClr val="tx1"/>
+                      </a:solidFill>
+                      <a:prstDash val="solid"/>
+                      <a:round/>
+                      <a:headEnd type="none" w="med" len="med"/>
+                      <a:tailEnd type="none" w="med" len="med"/>
+                    </a:lnB>
+                    <a:solidFill>
+                      <a:schemeClr val="bg1"/>
+                    </a:solidFill>
+                  </a:tcPr>
+                </a:tc>
+                <a:extLst>
+                  <a:ext uri="{0D108BD9-81ED-4DB2-BD59-A6C34878D82A}">
+                    <a16:rowId xmlns:a16="http://schemas.microsoft.com/office/drawing/2014/main" val="140790062"/>
+                  </a:ext>
+                </a:extLst>
+              </a:tr>
+              <a:tr h="370840">
+                <a:tc>
+                  <a:txBody>
+                    <a:bodyPr/>
+                    <a:lstStyle/>
+                    <a:p>
+                      <a:r>
+                        <a:rPr lang="en-US" sz="2600"/>
+                        <a:t>1</a:t>
+                      </a:r>
+                    </a:p>
+                  </a:txBody>
+                  <a:tcPr>
+                    <a:lnL w="12700" cap="flat" cmpd="sng" algn="ctr">
+                      <a:solidFill>
+                        <a:schemeClr val="tx1"/>
+                      </a:solidFill>
+                      <a:prstDash val="solid"/>
+                      <a:round/>
+                      <a:headEnd type="none" w="med" len="med"/>
+                      <a:tailEnd type="none" w="med" len="med"/>
+                    </a:lnL>
+                    <a:lnR w="12700" cap="flat" cmpd="sng" algn="ctr">
+                      <a:solidFill>
+                        <a:schemeClr val="tx1"/>
+                      </a:solidFill>
+                      <a:prstDash val="solid"/>
+                      <a:round/>
+                      <a:headEnd type="none" w="med" len="med"/>
+                      <a:tailEnd type="none" w="med" len="med"/>
+                    </a:lnR>
+                    <a:lnT w="12700" cap="flat" cmpd="sng" algn="ctr">
+                      <a:solidFill>
+                        <a:schemeClr val="tx1"/>
+                      </a:solidFill>
+                      <a:prstDash val="solid"/>
+                      <a:round/>
+                      <a:headEnd type="none" w="med" len="med"/>
+                      <a:tailEnd type="none" w="med" len="med"/>
+                    </a:lnT>
+                    <a:lnB w="12700" cap="flat" cmpd="sng" algn="ctr">
+                      <a:solidFill>
+                        <a:schemeClr val="tx1"/>
+                      </a:solidFill>
+                      <a:prstDash val="solid"/>
+                      <a:round/>
+                      <a:headEnd type="none" w="med" len="med"/>
+                      <a:tailEnd type="none" w="med" len="med"/>
+                    </a:lnB>
+                    <a:solidFill>
+                      <a:schemeClr val="bg1"/>
+                    </a:solidFill>
+                  </a:tcPr>
+                </a:tc>
+                <a:extLst>
+                  <a:ext uri="{0D108BD9-81ED-4DB2-BD59-A6C34878D82A}">
+                    <a16:rowId xmlns:a16="http://schemas.microsoft.com/office/drawing/2014/main" val="2051485560"/>
+                  </a:ext>
+                </a:extLst>
+              </a:tr>
+              <a:tr h="370840">
+                <a:tc>
+                  <a:txBody>
+                    <a:bodyPr/>
+                    <a:lstStyle/>
+                    <a:p>
+                      <a:r>
+                        <a:rPr lang="en-US" sz="2600" b="1"/>
+                        <a:t>RAM</a:t>
+                      </a:r>
+                    </a:p>
+                  </a:txBody>
+                  <a:tcPr>
+                    <a:lnL w="12700" cap="flat" cmpd="sng" algn="ctr">
+                      <a:solidFill>
+                        <a:schemeClr val="tx1"/>
+                      </a:solidFill>
+                      <a:prstDash val="solid"/>
+                      <a:round/>
+                      <a:headEnd type="none" w="med" len="med"/>
+                      <a:tailEnd type="none" w="med" len="med"/>
+                    </a:lnL>
+                    <a:lnR w="12700" cap="flat" cmpd="sng" algn="ctr">
+                      <a:solidFill>
+                        <a:schemeClr val="tx1"/>
+                      </a:solidFill>
+                      <a:prstDash val="solid"/>
+                      <a:round/>
+                      <a:headEnd type="none" w="med" len="med"/>
+                      <a:tailEnd type="none" w="med" len="med"/>
+                    </a:lnR>
+                    <a:lnT w="12700" cap="flat" cmpd="sng" algn="ctr">
+                      <a:solidFill>
+                        <a:schemeClr val="tx1"/>
+                      </a:solidFill>
+                      <a:prstDash val="solid"/>
+                      <a:round/>
+                      <a:headEnd type="none" w="med" len="med"/>
+                      <a:tailEnd type="none" w="med" len="med"/>
+                    </a:lnT>
+                    <a:lnB w="12700" cap="flat" cmpd="sng" algn="ctr">
+                      <a:solidFill>
+                        <a:schemeClr val="tx1"/>
+                      </a:solidFill>
+                      <a:prstDash val="solid"/>
+                      <a:round/>
+                      <a:headEnd type="none" w="med" len="med"/>
+                      <a:tailEnd type="none" w="med" len="med"/>
+                    </a:lnB>
+                    <a:solidFill>
+                      <a:schemeClr val="bg1"/>
+                    </a:solidFill>
+                  </a:tcPr>
+                </a:tc>
+                <a:extLst>
+                  <a:ext uri="{0D108BD9-81ED-4DB2-BD59-A6C34878D82A}">
+                    <a16:rowId xmlns:a16="http://schemas.microsoft.com/office/drawing/2014/main" val="3385658485"/>
+                  </a:ext>
+                </a:extLst>
+              </a:tr>
+            </a:tbl>
+          </a:graphicData>
+        </a:graphic>
+      </p:graphicFrame>
+      <p:cxnSp>
+        <p:nvCxnSpPr>
+          <p:cNvPr id="18" name="Straight Arrow Connector 17">
+            <a:extLst>
+              <a:ext uri="{FF2B5EF4-FFF2-40B4-BE49-F238E27FC236}">
+                <a16:creationId xmlns:a16="http://schemas.microsoft.com/office/drawing/2014/main" id="{950035AF-970A-3F3D-CE1F-AD8429962512}"/>
+              </a:ext>
+            </a:extLst>
+          </p:cNvPr>
+          <p:cNvCxnSpPr>
+            <a:cxnSpLocks/>
+          </p:cNvCxnSpPr>
+          <p:nvPr/>
+        </p:nvCxnSpPr>
+        <p:spPr>
+          <a:xfrm>
+            <a:off x="1818531" y="5325913"/>
+            <a:ext cx="386914" cy="0"/>
+          </a:xfrm>
+          <a:prstGeom prst="straightConnector1">
+            <a:avLst/>
+          </a:prstGeom>
+          <a:ln w="38100">
+            <a:solidFill>
+              <a:schemeClr val="tx1"/>
+            </a:solidFill>
+            <a:tailEnd type="triangle"/>
+          </a:ln>
+        </p:spPr>
+        <p:style>
+          <a:lnRef idx="1">
+            <a:schemeClr val="accent1"/>
+          </a:lnRef>
+          <a:fillRef idx="0">
+            <a:schemeClr val="accent1"/>
+          </a:fillRef>
+          <a:effectRef idx="0">
+            <a:schemeClr val="accent1"/>
+          </a:effectRef>
+          <a:fontRef idx="minor">
+            <a:schemeClr val="tx1"/>
+          </a:fontRef>
+        </p:style>
+      </p:cxnSp>
+      <p:sp>
+        <p:nvSpPr>
+          <p:cNvPr id="30" name="Arrow: Curved Left 29">
+            <a:extLst>
+              <a:ext uri="{FF2B5EF4-FFF2-40B4-BE49-F238E27FC236}">
+                <a16:creationId xmlns:a16="http://schemas.microsoft.com/office/drawing/2014/main" id="{5A059B02-23D1-9771-35DC-FB2C7ACC6D7B}"/>
+              </a:ext>
+            </a:extLst>
+          </p:cNvPr>
+          <p:cNvSpPr/>
+          <p:nvPr/>
+        </p:nvSpPr>
+        <p:spPr>
+          <a:xfrm>
+            <a:off x="2525394" y="5271071"/>
+            <a:ext cx="355704" cy="627086"/>
+          </a:xfrm>
+          <a:prstGeom prst="curvedLeftArrow">
+            <a:avLst>
+              <a:gd name="adj1" fmla="val 25000"/>
+              <a:gd name="adj2" fmla="val 60590"/>
+              <a:gd name="adj3" fmla="val 25000"/>
+            </a:avLst>
+          </a:prstGeom>
+          <a:solidFill>
+            <a:srgbClr val="FF0000"/>
+          </a:solidFill>
+        </p:spPr>
+        <p:style>
+          <a:lnRef idx="2">
+            <a:schemeClr val="dk1">
+              <a:shade val="15000"/>
+            </a:schemeClr>
+          </a:lnRef>
+          <a:fillRef idx="1">
+            <a:schemeClr val="dk1"/>
+          </a:fillRef>
+          <a:effectRef idx="0">
+            <a:schemeClr val="dk1"/>
+          </a:effectRef>
+          <a:fontRef idx="minor">
+            <a:schemeClr val="lt1"/>
+          </a:fontRef>
+        </p:style>
+        <p:txBody>
+          <a:bodyPr rtlCol="0" anchor="ctr"/>
+          <a:lstStyle/>
+          <a:p>
+            <a:pPr algn="ctr"/>
+            <a:endParaRPr lang="vi-VN">
+              <a:solidFill>
+                <a:schemeClr val="tx1"/>
+              </a:solidFill>
+            </a:endParaRPr>
+          </a:p>
+        </p:txBody>
+      </p:sp>
+      <p:sp>
+        <p:nvSpPr>
+          <p:cNvPr id="31" name="TextBox 30">
+            <a:extLst>
+              <a:ext uri="{FF2B5EF4-FFF2-40B4-BE49-F238E27FC236}">
+                <a16:creationId xmlns:a16="http://schemas.microsoft.com/office/drawing/2014/main" id="{4D5A1AF2-5291-149F-EFDB-DD6EBC77F5F2}"/>
+              </a:ext>
+            </a:extLst>
+          </p:cNvPr>
+          <p:cNvSpPr txBox="1"/>
+          <p:nvPr/>
+        </p:nvSpPr>
+        <p:spPr>
+          <a:xfrm rot="5400000">
+            <a:off x="2860224" y="5399948"/>
+            <a:ext cx="905374" cy="369332"/>
+          </a:xfrm>
+          <a:prstGeom prst="rect">
+            <a:avLst/>
+          </a:prstGeom>
+          <a:noFill/>
+        </p:spPr>
+        <p:txBody>
+          <a:bodyPr wrap="square">
+            <a:spAutoFit/>
+          </a:bodyPr>
+          <a:lstStyle/>
+          <a:p>
+            <a:pPr marL="0" indent="0" algn="ctr">
+              <a:lnSpc>
+                <a:spcPct val="100000"/>
+              </a:lnSpc>
+              <a:buNone/>
+            </a:pPr>
+            <a:r>
+              <a:rPr lang="en-US">
+                <a:solidFill>
+                  <a:srgbClr val="FF0000"/>
+                </a:solidFill>
+              </a:rPr>
+              <a:t>Copy</a:t>
+            </a:r>
+          </a:p>
+        </p:txBody>
+      </p:sp>
+      <p:cxnSp>
+        <p:nvCxnSpPr>
+          <p:cNvPr id="33" name="Straight Arrow Connector 32">
+            <a:extLst>
+              <a:ext uri="{FF2B5EF4-FFF2-40B4-BE49-F238E27FC236}">
+                <a16:creationId xmlns:a16="http://schemas.microsoft.com/office/drawing/2014/main" id="{14E2DBDB-1B1E-D996-C2B5-8A0BDACD0A71}"/>
+              </a:ext>
+            </a:extLst>
+          </p:cNvPr>
+          <p:cNvCxnSpPr>
+            <a:cxnSpLocks/>
+          </p:cNvCxnSpPr>
+          <p:nvPr/>
+        </p:nvCxnSpPr>
+        <p:spPr>
+          <a:xfrm>
+            <a:off x="1842483" y="5822611"/>
+            <a:ext cx="386914" cy="0"/>
+          </a:xfrm>
+          <a:prstGeom prst="straightConnector1">
+            <a:avLst/>
+          </a:prstGeom>
+          <a:ln w="38100">
+            <a:solidFill>
+              <a:schemeClr val="tx1"/>
+            </a:solidFill>
+            <a:tailEnd type="triangle"/>
+          </a:ln>
+        </p:spPr>
+        <p:style>
+          <a:lnRef idx="1">
+            <a:schemeClr val="accent1"/>
+          </a:lnRef>
+          <a:fillRef idx="0">
+            <a:schemeClr val="accent1"/>
+          </a:fillRef>
+          <a:effectRef idx="0">
+            <a:schemeClr val="accent1"/>
+          </a:effectRef>
+          <a:fontRef idx="minor">
+            <a:schemeClr val="tx1"/>
+          </a:fontRef>
+        </p:style>
+      </p:cxnSp>
+      <p:sp>
+        <p:nvSpPr>
+          <p:cNvPr id="39" name="TextBox 38">
+            <a:extLst>
+              <a:ext uri="{FF2B5EF4-FFF2-40B4-BE49-F238E27FC236}">
+                <a16:creationId xmlns:a16="http://schemas.microsoft.com/office/drawing/2014/main" id="{03652DD6-9141-196E-61FD-2AD0C866BC75}"/>
+              </a:ext>
+            </a:extLst>
+          </p:cNvPr>
+          <p:cNvSpPr txBox="1"/>
+          <p:nvPr/>
+        </p:nvSpPr>
+        <p:spPr>
+          <a:xfrm>
+            <a:off x="6948826" y="1516283"/>
+            <a:ext cx="3226207" cy="461665"/>
+          </a:xfrm>
+          <a:prstGeom prst="rect">
+            <a:avLst/>
+          </a:prstGeom>
+          <a:noFill/>
+        </p:spPr>
+        <p:txBody>
+          <a:bodyPr wrap="square" rtlCol="0">
+            <a:spAutoFit/>
+          </a:bodyPr>
+          <a:lstStyle/>
+          <a:p>
+            <a:r>
+              <a:rPr lang="en-US" sz="2400"/>
+              <a:t>Left value – Right value</a:t>
+            </a:r>
+            <a:endParaRPr lang="en-VN" sz="2400"/>
+          </a:p>
+        </p:txBody>
+      </p:sp>
+      <p:sp>
+        <p:nvSpPr>
+          <p:cNvPr id="40" name="Content Placeholder 2">
+            <a:extLst>
+              <a:ext uri="{FF2B5EF4-FFF2-40B4-BE49-F238E27FC236}">
+                <a16:creationId xmlns:a16="http://schemas.microsoft.com/office/drawing/2014/main" id="{3410751F-731E-353F-8675-24F707863ECA}"/>
+              </a:ext>
+            </a:extLst>
+          </p:cNvPr>
+          <p:cNvSpPr txBox="1">
+            <a:spLocks/>
+          </p:cNvSpPr>
+          <p:nvPr/>
+        </p:nvSpPr>
+        <p:spPr>
+          <a:xfrm>
+            <a:off x="7051461" y="2383968"/>
+            <a:ext cx="1579356" cy="432133"/>
+          </a:xfrm>
+          <a:prstGeom prst="rect">
+            <a:avLst/>
+          </a:prstGeom>
+          <a:solidFill>
+            <a:srgbClr val="D9D9D9"/>
+          </a:solidFill>
+        </p:spPr>
+        <p:txBody>
+          <a:bodyPr vert="horz" lIns="91440" tIns="45720" rIns="91440" bIns="45720" rtlCol="0">
+            <a:normAutofit lnSpcReduction="10000"/>
+          </a:bodyPr>
+          <a:lstStyle>
+            <a:lvl1pPr marL="228600" indent="-228600" algn="l" defTabSz="914400" rtl="0" eaLnBrk="1" latinLnBrk="0" hangingPunct="1">
+              <a:lnSpc>
+                <a:spcPct val="90000"/>
+              </a:lnSpc>
+              <a:spcBef>
+                <a:spcPts val="1000"/>
+              </a:spcBef>
+              <a:buFont typeface="Arial" panose="020B0604020202020204" pitchFamily="34" charset="0"/>
+              <a:buChar char="•"/>
+              <a:defRPr sz="2800" kern="1200">
+                <a:solidFill>
+                  <a:schemeClr val="tx1"/>
+                </a:solidFill>
+                <a:latin typeface="+mn-lt"/>
+                <a:ea typeface="+mn-ea"/>
+                <a:cs typeface="+mn-cs"/>
+              </a:defRPr>
+            </a:lvl1pPr>
+            <a:lvl2pPr marL="685800" indent="-228600" algn="l" defTabSz="914400" rtl="0" eaLnBrk="1" latinLnBrk="0" hangingPunct="1">
+              <a:lnSpc>
+                <a:spcPct val="90000"/>
+              </a:lnSpc>
+              <a:spcBef>
+                <a:spcPts val="500"/>
+              </a:spcBef>
+              <a:buFont typeface="Arial" panose="020B0604020202020204" pitchFamily="34" charset="0"/>
+              <a:buChar char="•"/>
+              <a:defRPr sz="2400" kern="1200">
+                <a:solidFill>
+                  <a:schemeClr val="tx1"/>
+                </a:solidFill>
+                <a:latin typeface="+mn-lt"/>
+                <a:ea typeface="+mn-ea"/>
+                <a:cs typeface="+mn-cs"/>
+              </a:defRPr>
+            </a:lvl2pPr>
+            <a:lvl3pPr marL="1143000" indent="-228600" algn="l" defTabSz="914400" rtl="0" eaLnBrk="1" latinLnBrk="0" hangingPunct="1">
+              <a:lnSpc>
+                <a:spcPct val="90000"/>
+              </a:lnSpc>
+              <a:spcBef>
+                <a:spcPts val="500"/>
+              </a:spcBef>
+              <a:buFont typeface="Arial" panose="020B0604020202020204" pitchFamily="34" charset="0"/>
+              <a:buChar char="•"/>
+              <a:defRPr sz="2000" kern="1200">
+                <a:solidFill>
+                  <a:schemeClr val="tx1"/>
+                </a:solidFill>
+                <a:latin typeface="+mn-lt"/>
+                <a:ea typeface="+mn-ea"/>
+                <a:cs typeface="+mn-cs"/>
+              </a:defRPr>
+            </a:lvl3pPr>
+            <a:lvl4pPr marL="1600200" indent="-228600" algn="l" defTabSz="914400" rtl="0" eaLnBrk="1" latinLnBrk="0" hangingPunct="1">
+              <a:lnSpc>
+                <a:spcPct val="90000"/>
+              </a:lnSpc>
+              <a:spcBef>
+                <a:spcPts val="500"/>
+              </a:spcBef>
+              <a:buFont typeface="Arial" panose="020B0604020202020204" pitchFamily="34" charset="0"/>
+              <a:buChar char="•"/>
+              <a:defRPr sz="1800" kern="1200">
+                <a:solidFill>
+                  <a:schemeClr val="tx1"/>
+                </a:solidFill>
+                <a:latin typeface="+mn-lt"/>
+                <a:ea typeface="+mn-ea"/>
+                <a:cs typeface="+mn-cs"/>
+              </a:defRPr>
+            </a:lvl4pPr>
+            <a:lvl5pPr marL="2057400" indent="-228600" algn="l" defTabSz="914400" rtl="0" eaLnBrk="1" latinLnBrk="0" hangingPunct="1">
+              <a:lnSpc>
+                <a:spcPct val="90000"/>
+              </a:lnSpc>
+              <a:spcBef>
+                <a:spcPts val="500"/>
+              </a:spcBef>
+              <a:buFont typeface="Arial" panose="020B0604020202020204" pitchFamily="34" charset="0"/>
+              <a:buChar char="•"/>
+              <a:defRPr sz="1800" kern="1200">
+                <a:solidFill>
+                  <a:schemeClr val="tx1"/>
+                </a:solidFill>
+                <a:latin typeface="+mn-lt"/>
+                <a:ea typeface="+mn-ea"/>
+                <a:cs typeface="+mn-cs"/>
+              </a:defRPr>
+            </a:lvl5pPr>
+            <a:lvl6pPr marL="2514600" indent="-228600" algn="l" defTabSz="914400" rtl="0" eaLnBrk="1" latinLnBrk="0" hangingPunct="1">
+              <a:lnSpc>
+                <a:spcPct val="90000"/>
+              </a:lnSpc>
+              <a:spcBef>
+                <a:spcPts val="500"/>
+              </a:spcBef>
+              <a:buFont typeface="Arial" panose="020B0604020202020204" pitchFamily="34" charset="0"/>
+              <a:buChar char="•"/>
+              <a:defRPr sz="1800" kern="1200">
+                <a:solidFill>
+                  <a:schemeClr val="tx1"/>
+                </a:solidFill>
+                <a:latin typeface="+mn-lt"/>
+                <a:ea typeface="+mn-ea"/>
+                <a:cs typeface="+mn-cs"/>
+              </a:defRPr>
+            </a:lvl6pPr>
+            <a:lvl7pPr marL="2971800" indent="-228600" algn="l" defTabSz="914400" rtl="0" eaLnBrk="1" latinLnBrk="0" hangingPunct="1">
+              <a:lnSpc>
+                <a:spcPct val="90000"/>
+              </a:lnSpc>
+              <a:spcBef>
+                <a:spcPts val="500"/>
+              </a:spcBef>
+              <a:buFont typeface="Arial" panose="020B0604020202020204" pitchFamily="34" charset="0"/>
+              <a:buChar char="•"/>
+              <a:defRPr sz="1800" kern="1200">
+                <a:solidFill>
+                  <a:schemeClr val="tx1"/>
+                </a:solidFill>
+                <a:latin typeface="+mn-lt"/>
+                <a:ea typeface="+mn-ea"/>
+                <a:cs typeface="+mn-cs"/>
+              </a:defRPr>
+            </a:lvl7pPr>
+            <a:lvl8pPr marL="3429000" indent="-228600" algn="l" defTabSz="914400" rtl="0" eaLnBrk="1" latinLnBrk="0" hangingPunct="1">
+              <a:lnSpc>
+                <a:spcPct val="90000"/>
+              </a:lnSpc>
+              <a:spcBef>
+                <a:spcPts val="500"/>
+              </a:spcBef>
+              <a:buFont typeface="Arial" panose="020B0604020202020204" pitchFamily="34" charset="0"/>
+              <a:buChar char="•"/>
+              <a:defRPr sz="1800" kern="1200">
+                <a:solidFill>
+                  <a:schemeClr val="tx1"/>
+                </a:solidFill>
+                <a:latin typeface="+mn-lt"/>
+                <a:ea typeface="+mn-ea"/>
+                <a:cs typeface="+mn-cs"/>
+              </a:defRPr>
+            </a:lvl8pPr>
+            <a:lvl9pPr marL="3886200" indent="-228600" algn="l" defTabSz="914400" rtl="0" eaLnBrk="1" latinLnBrk="0" hangingPunct="1">
+              <a:lnSpc>
+                <a:spcPct val="90000"/>
+              </a:lnSpc>
+              <a:spcBef>
+                <a:spcPts val="500"/>
+              </a:spcBef>
+              <a:buFont typeface="Arial" panose="020B0604020202020204" pitchFamily="34" charset="0"/>
+              <a:buChar char="•"/>
+              <a:defRPr sz="1800" kern="1200">
+                <a:solidFill>
+                  <a:schemeClr val="tx1"/>
+                </a:solidFill>
+                <a:latin typeface="+mn-lt"/>
+                <a:ea typeface="+mn-ea"/>
+                <a:cs typeface="+mn-cs"/>
+              </a:defRPr>
+            </a:lvl9pPr>
+          </a:lstStyle>
+          <a:p>
+            <a:pPr marL="0" indent="0">
+              <a:lnSpc>
+                <a:spcPct val="100000"/>
+              </a:lnSpc>
+              <a:buNone/>
+            </a:pPr>
+            <a:r>
+              <a:rPr lang="en-US" sz="2400"/>
+              <a:t>i</a:t>
+            </a:r>
+            <a:r>
+              <a:rPr lang="en-VN" sz="2400"/>
+              <a:t>nt </a:t>
+            </a:r>
+            <a:r>
+              <a:rPr lang="en-US" sz="2400"/>
+              <a:t>  </a:t>
+            </a:r>
+            <a:r>
+              <a:rPr lang="en-VN" sz="2400"/>
+              <a:t>a</a:t>
+            </a:r>
+            <a:r>
+              <a:rPr lang="en-US" sz="2400"/>
+              <a:t>  </a:t>
+            </a:r>
+            <a:r>
+              <a:rPr lang="en-VN" sz="2400"/>
+              <a:t> = </a:t>
+            </a:r>
+            <a:r>
+              <a:rPr lang="en-US" sz="2400"/>
+              <a:t>  </a:t>
+            </a:r>
+            <a:r>
+              <a:rPr lang="en-VN" sz="2400"/>
+              <a:t>1</a:t>
+            </a:r>
+          </a:p>
+        </p:txBody>
+      </p:sp>
+      <p:sp>
+        <p:nvSpPr>
+          <p:cNvPr id="41" name="Rectangle 40">
+            <a:extLst>
+              <a:ext uri="{FF2B5EF4-FFF2-40B4-BE49-F238E27FC236}">
+                <a16:creationId xmlns:a16="http://schemas.microsoft.com/office/drawing/2014/main" id="{BBEA50A2-F5D5-B250-BEBC-9D49AC0C428F}"/>
+              </a:ext>
+            </a:extLst>
+          </p:cNvPr>
+          <p:cNvSpPr/>
+          <p:nvPr/>
+        </p:nvSpPr>
+        <p:spPr>
+          <a:xfrm>
+            <a:off x="7573630" y="2328424"/>
+            <a:ext cx="371386" cy="513422"/>
+          </a:xfrm>
+          <a:prstGeom prst="rect">
+            <a:avLst/>
+          </a:prstGeom>
+          <a:noFill/>
+          <a:ln>
+            <a:solidFill>
+              <a:srgbClr val="FF0000"/>
+            </a:solidFill>
+          </a:ln>
+        </p:spPr>
+        <p:style>
+          <a:lnRef idx="2">
+            <a:schemeClr val="accent1">
+              <a:shade val="15000"/>
+            </a:schemeClr>
+          </a:lnRef>
+          <a:fillRef idx="1">
+            <a:schemeClr val="accent1"/>
+          </a:fillRef>
+          <a:effectRef idx="0">
+            <a:schemeClr val="accent1"/>
+          </a:effectRef>
+          <a:fontRef idx="minor">
+            <a:schemeClr val="lt1"/>
+          </a:fontRef>
+        </p:style>
+        <p:txBody>
+          <a:bodyPr rtlCol="0" anchor="ctr"/>
+          <a:lstStyle/>
+          <a:p>
+            <a:pPr algn="ctr"/>
+            <a:endParaRPr lang="en-VN"/>
+          </a:p>
+        </p:txBody>
+      </p:sp>
+      <p:sp>
+        <p:nvSpPr>
+          <p:cNvPr id="42" name="TextBox 41">
+            <a:extLst>
+              <a:ext uri="{FF2B5EF4-FFF2-40B4-BE49-F238E27FC236}">
+                <a16:creationId xmlns:a16="http://schemas.microsoft.com/office/drawing/2014/main" id="{0A69229F-C9B9-32B6-5CCE-DF40F7B43273}"/>
+              </a:ext>
+            </a:extLst>
+          </p:cNvPr>
+          <p:cNvSpPr txBox="1"/>
+          <p:nvPr/>
+        </p:nvSpPr>
+        <p:spPr>
+          <a:xfrm>
+            <a:off x="7238377" y="3359251"/>
+            <a:ext cx="1041891" cy="461665"/>
+          </a:xfrm>
+          <a:prstGeom prst="rect">
+            <a:avLst/>
+          </a:prstGeom>
+          <a:noFill/>
+        </p:spPr>
+        <p:txBody>
+          <a:bodyPr wrap="square" rtlCol="0">
+            <a:spAutoFit/>
+          </a:bodyPr>
+          <a:lstStyle/>
+          <a:p>
+            <a:pPr algn="ctr"/>
+            <a:r>
+              <a:rPr lang="en-US" sz="2400">
+                <a:solidFill>
+                  <a:srgbClr val="FF0000"/>
+                </a:solidFill>
+              </a:rPr>
+              <a:t>lvalue</a:t>
+            </a:r>
+            <a:endParaRPr lang="en-VN" sz="2400" b="1">
+              <a:solidFill>
+                <a:srgbClr val="FF0000"/>
+              </a:solidFill>
+            </a:endParaRPr>
+          </a:p>
+        </p:txBody>
+      </p:sp>
+      <p:cxnSp>
+        <p:nvCxnSpPr>
+          <p:cNvPr id="43" name="Straight Arrow Connector 42">
+            <a:extLst>
+              <a:ext uri="{FF2B5EF4-FFF2-40B4-BE49-F238E27FC236}">
+                <a16:creationId xmlns:a16="http://schemas.microsoft.com/office/drawing/2014/main" id="{F6C15E4D-5D03-06CE-6137-5A1AF086E69E}"/>
+              </a:ext>
+            </a:extLst>
+          </p:cNvPr>
+          <p:cNvCxnSpPr>
+            <a:cxnSpLocks/>
+            <a:stCxn id="41" idx="2"/>
+            <a:endCxn id="42" idx="0"/>
+          </p:cNvCxnSpPr>
+          <p:nvPr/>
+        </p:nvCxnSpPr>
+        <p:spPr>
+          <a:xfrm>
+            <a:off x="7759323" y="2841846"/>
+            <a:ext cx="0" cy="517405"/>
+          </a:xfrm>
+          <a:prstGeom prst="straightConnector1">
+            <a:avLst/>
+          </a:prstGeom>
+          <a:ln>
+            <a:solidFill>
+              <a:srgbClr val="FF0000"/>
+            </a:solidFill>
+            <a:tailEnd type="triangle"/>
+          </a:ln>
+        </p:spPr>
+        <p:style>
+          <a:lnRef idx="2">
+            <a:schemeClr val="accent1"/>
+          </a:lnRef>
+          <a:fillRef idx="0">
+            <a:schemeClr val="accent1"/>
+          </a:fillRef>
+          <a:effectRef idx="1">
+            <a:schemeClr val="accent1"/>
+          </a:effectRef>
+          <a:fontRef idx="minor">
+            <a:schemeClr val="tx1"/>
+          </a:fontRef>
+        </p:style>
+      </p:cxnSp>
+      <p:sp>
+        <p:nvSpPr>
+          <p:cNvPr id="54" name="Rectangle 53">
+            <a:extLst>
+              <a:ext uri="{FF2B5EF4-FFF2-40B4-BE49-F238E27FC236}">
+                <a16:creationId xmlns:a16="http://schemas.microsoft.com/office/drawing/2014/main" id="{3D6AC731-B4C1-7BD8-41C5-CD492C685146}"/>
+              </a:ext>
+            </a:extLst>
+          </p:cNvPr>
+          <p:cNvSpPr/>
+          <p:nvPr/>
+        </p:nvSpPr>
+        <p:spPr>
+          <a:xfrm>
+            <a:off x="8267079" y="2328424"/>
+            <a:ext cx="371386" cy="513422"/>
+          </a:xfrm>
+          <a:prstGeom prst="rect">
+            <a:avLst/>
+          </a:prstGeom>
+          <a:noFill/>
+          <a:ln>
+            <a:solidFill>
+              <a:srgbClr val="FF0000"/>
+            </a:solidFill>
+          </a:ln>
+        </p:spPr>
+        <p:style>
+          <a:lnRef idx="2">
+            <a:schemeClr val="accent1">
+              <a:shade val="15000"/>
+            </a:schemeClr>
+          </a:lnRef>
+          <a:fillRef idx="1">
+            <a:schemeClr val="accent1"/>
+          </a:fillRef>
+          <a:effectRef idx="0">
+            <a:schemeClr val="accent1"/>
+          </a:effectRef>
+          <a:fontRef idx="minor">
+            <a:schemeClr val="lt1"/>
+          </a:fontRef>
+        </p:style>
+        <p:txBody>
+          <a:bodyPr rtlCol="0" anchor="ctr"/>
+          <a:lstStyle/>
+          <a:p>
+            <a:pPr algn="ctr"/>
+            <a:endParaRPr lang="en-VN"/>
+          </a:p>
+        </p:txBody>
+      </p:sp>
+      <p:sp>
+        <p:nvSpPr>
+          <p:cNvPr id="55" name="TextBox 54">
+            <a:extLst>
+              <a:ext uri="{FF2B5EF4-FFF2-40B4-BE49-F238E27FC236}">
+                <a16:creationId xmlns:a16="http://schemas.microsoft.com/office/drawing/2014/main" id="{D5966523-4883-929B-D6F6-C33E37B33C11}"/>
+              </a:ext>
+            </a:extLst>
+          </p:cNvPr>
+          <p:cNvSpPr txBox="1"/>
+          <p:nvPr/>
+        </p:nvSpPr>
+        <p:spPr>
+          <a:xfrm>
+            <a:off x="8188418" y="3359250"/>
+            <a:ext cx="1041891" cy="461665"/>
+          </a:xfrm>
+          <a:prstGeom prst="rect">
+            <a:avLst/>
+          </a:prstGeom>
+          <a:noFill/>
+        </p:spPr>
+        <p:txBody>
+          <a:bodyPr wrap="square" rtlCol="0">
+            <a:spAutoFit/>
+          </a:bodyPr>
+          <a:lstStyle/>
+          <a:p>
+            <a:pPr algn="ctr"/>
+            <a:r>
+              <a:rPr lang="en-US" sz="2400">
+                <a:solidFill>
+                  <a:srgbClr val="FF0000"/>
+                </a:solidFill>
+              </a:rPr>
+              <a:t>rvalue</a:t>
+            </a:r>
+            <a:endParaRPr lang="en-VN" sz="2400" b="1">
+              <a:solidFill>
+                <a:srgbClr val="FF0000"/>
+              </a:solidFill>
+            </a:endParaRPr>
+          </a:p>
+        </p:txBody>
+      </p:sp>
+      <p:cxnSp>
+        <p:nvCxnSpPr>
+          <p:cNvPr id="56" name="Straight Arrow Connector 55">
+            <a:extLst>
+              <a:ext uri="{FF2B5EF4-FFF2-40B4-BE49-F238E27FC236}">
+                <a16:creationId xmlns:a16="http://schemas.microsoft.com/office/drawing/2014/main" id="{B45D364D-833C-6DE5-BCE8-8B4C4EC1ECAE}"/>
+              </a:ext>
+            </a:extLst>
+          </p:cNvPr>
+          <p:cNvCxnSpPr>
+            <a:cxnSpLocks/>
+            <a:stCxn id="54" idx="2"/>
+            <a:endCxn id="55" idx="0"/>
+          </p:cNvCxnSpPr>
+          <p:nvPr/>
+        </p:nvCxnSpPr>
+        <p:spPr>
+          <a:xfrm>
+            <a:off x="8452772" y="2841846"/>
+            <a:ext cx="256592" cy="517404"/>
+          </a:xfrm>
+          <a:prstGeom prst="straightConnector1">
+            <a:avLst/>
+          </a:prstGeom>
+          <a:ln>
+            <a:solidFill>
+              <a:srgbClr val="FF0000"/>
+            </a:solidFill>
+            <a:tailEnd type="triangle"/>
+          </a:ln>
+        </p:spPr>
+        <p:style>
+          <a:lnRef idx="2">
+            <a:schemeClr val="accent1"/>
+          </a:lnRef>
+          <a:fillRef idx="0">
+            <a:schemeClr val="accent1"/>
+          </a:fillRef>
+          <a:effectRef idx="1">
+            <a:schemeClr val="accent1"/>
+          </a:effectRef>
+          <a:fontRef idx="minor">
+            <a:schemeClr val="tx1"/>
+          </a:fontRef>
+        </p:style>
+      </p:cxnSp>
+      <p:sp>
+        <p:nvSpPr>
+          <p:cNvPr id="58" name="Content Placeholder 2">
+            <a:extLst>
+              <a:ext uri="{FF2B5EF4-FFF2-40B4-BE49-F238E27FC236}">
+                <a16:creationId xmlns:a16="http://schemas.microsoft.com/office/drawing/2014/main" id="{03A7F64A-C740-8FBA-9DCB-B1AD97963200}"/>
+              </a:ext>
+            </a:extLst>
+          </p:cNvPr>
+          <p:cNvSpPr txBox="1">
+            <a:spLocks/>
+          </p:cNvSpPr>
+          <p:nvPr/>
+        </p:nvSpPr>
+        <p:spPr>
+          <a:xfrm>
+            <a:off x="7051461" y="3872672"/>
+            <a:ext cx="1726304" cy="1329545"/>
+          </a:xfrm>
+          <a:prstGeom prst="rect">
+            <a:avLst/>
+          </a:prstGeom>
+          <a:solidFill>
+            <a:srgbClr val="D9D9D9"/>
+          </a:solidFill>
+        </p:spPr>
+        <p:txBody>
+          <a:bodyPr vert="horz" lIns="91440" tIns="45720" rIns="91440" bIns="45720" rtlCol="0">
+            <a:normAutofit fontScale="92500" lnSpcReduction="10000"/>
+          </a:bodyPr>
+          <a:lstStyle>
+            <a:lvl1pPr marL="228600" indent="-228600" algn="l" defTabSz="914400" rtl="0" eaLnBrk="1" latinLnBrk="0" hangingPunct="1">
+              <a:lnSpc>
+                <a:spcPct val="90000"/>
+              </a:lnSpc>
+              <a:spcBef>
+                <a:spcPts val="1000"/>
+              </a:spcBef>
+              <a:buFont typeface="Arial" panose="020B0604020202020204" pitchFamily="34" charset="0"/>
+              <a:buChar char="•"/>
+              <a:defRPr sz="2800" kern="1200">
+                <a:solidFill>
+                  <a:schemeClr val="tx1"/>
+                </a:solidFill>
+                <a:latin typeface="+mn-lt"/>
+                <a:ea typeface="+mn-ea"/>
+                <a:cs typeface="+mn-cs"/>
+              </a:defRPr>
+            </a:lvl1pPr>
+            <a:lvl2pPr marL="685800" indent="-228600" algn="l" defTabSz="914400" rtl="0" eaLnBrk="1" latinLnBrk="0" hangingPunct="1">
+              <a:lnSpc>
+                <a:spcPct val="90000"/>
+              </a:lnSpc>
+              <a:spcBef>
+                <a:spcPts val="500"/>
+              </a:spcBef>
+              <a:buFont typeface="Arial" panose="020B0604020202020204" pitchFamily="34" charset="0"/>
+              <a:buChar char="•"/>
+              <a:defRPr sz="2400" kern="1200">
+                <a:solidFill>
+                  <a:schemeClr val="tx1"/>
+                </a:solidFill>
+                <a:latin typeface="+mn-lt"/>
+                <a:ea typeface="+mn-ea"/>
+                <a:cs typeface="+mn-cs"/>
+              </a:defRPr>
+            </a:lvl2pPr>
+            <a:lvl3pPr marL="1143000" indent="-228600" algn="l" defTabSz="914400" rtl="0" eaLnBrk="1" latinLnBrk="0" hangingPunct="1">
+              <a:lnSpc>
+                <a:spcPct val="90000"/>
+              </a:lnSpc>
+              <a:spcBef>
+                <a:spcPts val="500"/>
+              </a:spcBef>
+              <a:buFont typeface="Arial" panose="020B0604020202020204" pitchFamily="34" charset="0"/>
+              <a:buChar char="•"/>
+              <a:defRPr sz="2000" kern="1200">
+                <a:solidFill>
+                  <a:schemeClr val="tx1"/>
+                </a:solidFill>
+                <a:latin typeface="+mn-lt"/>
+                <a:ea typeface="+mn-ea"/>
+                <a:cs typeface="+mn-cs"/>
+              </a:defRPr>
+            </a:lvl3pPr>
+            <a:lvl4pPr marL="1600200" indent="-228600" algn="l" defTabSz="914400" rtl="0" eaLnBrk="1" latinLnBrk="0" hangingPunct="1">
+              <a:lnSpc>
+                <a:spcPct val="90000"/>
+              </a:lnSpc>
+              <a:spcBef>
+                <a:spcPts val="500"/>
+              </a:spcBef>
+              <a:buFont typeface="Arial" panose="020B0604020202020204" pitchFamily="34" charset="0"/>
+              <a:buChar char="•"/>
+              <a:defRPr sz="1800" kern="1200">
+                <a:solidFill>
+                  <a:schemeClr val="tx1"/>
+                </a:solidFill>
+                <a:latin typeface="+mn-lt"/>
+                <a:ea typeface="+mn-ea"/>
+                <a:cs typeface="+mn-cs"/>
+              </a:defRPr>
+            </a:lvl4pPr>
+            <a:lvl5pPr marL="2057400" indent="-228600" algn="l" defTabSz="914400" rtl="0" eaLnBrk="1" latinLnBrk="0" hangingPunct="1">
+              <a:lnSpc>
+                <a:spcPct val="90000"/>
+              </a:lnSpc>
+              <a:spcBef>
+                <a:spcPts val="500"/>
+              </a:spcBef>
+              <a:buFont typeface="Arial" panose="020B0604020202020204" pitchFamily="34" charset="0"/>
+              <a:buChar char="•"/>
+              <a:defRPr sz="1800" kern="1200">
+                <a:solidFill>
+                  <a:schemeClr val="tx1"/>
+                </a:solidFill>
+                <a:latin typeface="+mn-lt"/>
+                <a:ea typeface="+mn-ea"/>
+                <a:cs typeface="+mn-cs"/>
+              </a:defRPr>
+            </a:lvl5pPr>
+            <a:lvl6pPr marL="2514600" indent="-228600" algn="l" defTabSz="914400" rtl="0" eaLnBrk="1" latinLnBrk="0" hangingPunct="1">
+              <a:lnSpc>
+                <a:spcPct val="90000"/>
+              </a:lnSpc>
+              <a:spcBef>
+                <a:spcPts val="500"/>
+              </a:spcBef>
+              <a:buFont typeface="Arial" panose="020B0604020202020204" pitchFamily="34" charset="0"/>
+              <a:buChar char="•"/>
+              <a:defRPr sz="1800" kern="1200">
+                <a:solidFill>
+                  <a:schemeClr val="tx1"/>
+                </a:solidFill>
+                <a:latin typeface="+mn-lt"/>
+                <a:ea typeface="+mn-ea"/>
+                <a:cs typeface="+mn-cs"/>
+              </a:defRPr>
+            </a:lvl6pPr>
+            <a:lvl7pPr marL="2971800" indent="-228600" algn="l" defTabSz="914400" rtl="0" eaLnBrk="1" latinLnBrk="0" hangingPunct="1">
+              <a:lnSpc>
+                <a:spcPct val="90000"/>
+              </a:lnSpc>
+              <a:spcBef>
+                <a:spcPts val="500"/>
+              </a:spcBef>
+              <a:buFont typeface="Arial" panose="020B0604020202020204" pitchFamily="34" charset="0"/>
+              <a:buChar char="•"/>
+              <a:defRPr sz="1800" kern="1200">
+                <a:solidFill>
+                  <a:schemeClr val="tx1"/>
+                </a:solidFill>
+                <a:latin typeface="+mn-lt"/>
+                <a:ea typeface="+mn-ea"/>
+                <a:cs typeface="+mn-cs"/>
+              </a:defRPr>
+            </a:lvl7pPr>
+            <a:lvl8pPr marL="3429000" indent="-228600" algn="l" defTabSz="914400" rtl="0" eaLnBrk="1" latinLnBrk="0" hangingPunct="1">
+              <a:lnSpc>
+                <a:spcPct val="90000"/>
+              </a:lnSpc>
+              <a:spcBef>
+                <a:spcPts val="500"/>
+              </a:spcBef>
+              <a:buFont typeface="Arial" panose="020B0604020202020204" pitchFamily="34" charset="0"/>
+              <a:buChar char="•"/>
+              <a:defRPr sz="1800" kern="1200">
+                <a:solidFill>
+                  <a:schemeClr val="tx1"/>
+                </a:solidFill>
+                <a:latin typeface="+mn-lt"/>
+                <a:ea typeface="+mn-ea"/>
+                <a:cs typeface="+mn-cs"/>
+              </a:defRPr>
+            </a:lvl8pPr>
+            <a:lvl9pPr marL="3886200" indent="-228600" algn="l" defTabSz="914400" rtl="0" eaLnBrk="1" latinLnBrk="0" hangingPunct="1">
+              <a:lnSpc>
+                <a:spcPct val="90000"/>
+              </a:lnSpc>
+              <a:spcBef>
+                <a:spcPts val="500"/>
+              </a:spcBef>
+              <a:buFont typeface="Arial" panose="020B0604020202020204" pitchFamily="34" charset="0"/>
+              <a:buChar char="•"/>
+              <a:defRPr sz="1800" kern="1200">
+                <a:solidFill>
+                  <a:schemeClr val="tx1"/>
+                </a:solidFill>
+                <a:latin typeface="+mn-lt"/>
+                <a:ea typeface="+mn-ea"/>
+                <a:cs typeface="+mn-cs"/>
+              </a:defRPr>
+            </a:lvl9pPr>
+          </a:lstStyle>
+          <a:p>
+            <a:pPr marL="0" indent="0">
+              <a:lnSpc>
+                <a:spcPct val="100000"/>
+              </a:lnSpc>
+              <a:buNone/>
+            </a:pPr>
+            <a:r>
+              <a:rPr lang="en-US" sz="2400"/>
+              <a:t>int x = 1;</a:t>
+            </a:r>
+          </a:p>
+          <a:p>
+            <a:pPr marL="0" indent="0">
+              <a:lnSpc>
+                <a:spcPct val="100000"/>
+              </a:lnSpc>
+              <a:buNone/>
+            </a:pPr>
+            <a:r>
+              <a:rPr lang="en-US" sz="2400"/>
+              <a:t>int y = 1;</a:t>
+            </a:r>
+          </a:p>
+          <a:p>
+            <a:pPr marL="0" indent="0">
+              <a:lnSpc>
+                <a:spcPct val="100000"/>
+              </a:lnSpc>
+              <a:buNone/>
+            </a:pPr>
+            <a:r>
+              <a:rPr lang="en-US" sz="2400"/>
+              <a:t>int z = x + y;</a:t>
+            </a:r>
+            <a:endParaRPr lang="en-VN" sz="2400"/>
+          </a:p>
+        </p:txBody>
+      </p:sp>
+      <p:cxnSp>
+        <p:nvCxnSpPr>
+          <p:cNvPr id="59" name="Straight Arrow Connector 58">
+            <a:extLst>
+              <a:ext uri="{FF2B5EF4-FFF2-40B4-BE49-F238E27FC236}">
+                <a16:creationId xmlns:a16="http://schemas.microsoft.com/office/drawing/2014/main" id="{0AD0885F-9A7C-C43E-8832-87F696230360}"/>
+              </a:ext>
+            </a:extLst>
+          </p:cNvPr>
+          <p:cNvCxnSpPr>
+            <a:cxnSpLocks/>
+            <a:stCxn id="62" idx="0"/>
+            <a:endCxn id="55" idx="2"/>
+          </p:cNvCxnSpPr>
+          <p:nvPr/>
+        </p:nvCxnSpPr>
+        <p:spPr>
+          <a:xfrm flipV="1">
+            <a:off x="8181922" y="3820915"/>
+            <a:ext cx="527442" cy="869843"/>
+          </a:xfrm>
+          <a:prstGeom prst="straightConnector1">
+            <a:avLst/>
+          </a:prstGeom>
+          <a:ln>
+            <a:solidFill>
+              <a:srgbClr val="FF0000"/>
+            </a:solidFill>
+            <a:tailEnd type="triangle"/>
+          </a:ln>
+        </p:spPr>
+        <p:style>
+          <a:lnRef idx="2">
+            <a:schemeClr val="accent1"/>
+          </a:lnRef>
+          <a:fillRef idx="0">
+            <a:schemeClr val="accent1"/>
+          </a:fillRef>
+          <a:effectRef idx="1">
+            <a:schemeClr val="accent1"/>
+          </a:effectRef>
+          <a:fontRef idx="minor">
+            <a:schemeClr val="tx1"/>
+          </a:fontRef>
+        </p:style>
+      </p:cxnSp>
+      <p:sp>
+        <p:nvSpPr>
+          <p:cNvPr id="62" name="Rectangle 61">
+            <a:extLst>
+              <a:ext uri="{FF2B5EF4-FFF2-40B4-BE49-F238E27FC236}">
+                <a16:creationId xmlns:a16="http://schemas.microsoft.com/office/drawing/2014/main" id="{93F4797A-9793-ECF3-151F-E3DE024E5D8F}"/>
+              </a:ext>
+            </a:extLst>
+          </p:cNvPr>
+          <p:cNvSpPr/>
+          <p:nvPr/>
+        </p:nvSpPr>
+        <p:spPr>
+          <a:xfrm>
+            <a:off x="7863656" y="4690758"/>
+            <a:ext cx="636531" cy="426883"/>
+          </a:xfrm>
+          <a:prstGeom prst="rect">
+            <a:avLst/>
+          </a:prstGeom>
+          <a:noFill/>
+          <a:ln>
+            <a:solidFill>
+              <a:srgbClr val="FF0000"/>
+            </a:solidFill>
+          </a:ln>
+        </p:spPr>
+        <p:style>
+          <a:lnRef idx="2">
+            <a:schemeClr val="accent1">
+              <a:shade val="15000"/>
+            </a:schemeClr>
+          </a:lnRef>
+          <a:fillRef idx="1">
+            <a:schemeClr val="accent1"/>
+          </a:fillRef>
+          <a:effectRef idx="0">
+            <a:schemeClr val="accent1"/>
+          </a:effectRef>
+          <a:fontRef idx="minor">
+            <a:schemeClr val="lt1"/>
+          </a:fontRef>
+        </p:style>
+        <p:txBody>
+          <a:bodyPr rtlCol="0" anchor="ctr"/>
+          <a:lstStyle/>
+          <a:p>
+            <a:pPr algn="ctr"/>
+            <a:endParaRPr lang="en-VN"/>
+          </a:p>
+        </p:txBody>
+      </p:sp>
+    </p:spTree>
+    <p:extLst>
+      <p:ext uri="{BB962C8B-B14F-4D97-AF65-F5344CB8AC3E}">
+        <p14:creationId xmlns:p14="http://schemas.microsoft.com/office/powerpoint/2010/main" val="4034848647"/>
+      </p:ext>
+    </p:extLst>
+  </p:cSld>
+  <p:clrMapOvr>
+    <a:masterClrMapping/>
+  </p:clrMapOvr>
+</p:sld>
+</file>
+
+<file path=ppt/slides/slide5.xml><?xml version="1.0" encoding="utf-8"?>
+<p:sld xmlns:a="http://schemas.openxmlformats.org/drawingml/2006/main" xmlns:r="http://schemas.openxmlformats.org/officeDocument/2006/relationships" xmlns:p="http://schemas.openxmlformats.org/presentationml/2006/main">
+  <p:cSld>
+    <p:spTree>
+      <p:nvGrpSpPr>
+        <p:cNvPr id="1" name=""/>
+        <p:cNvGrpSpPr/>
+        <p:nvPr/>
+      </p:nvGrpSpPr>
+      <p:grpSpPr>
+        <a:xfrm>
+          <a:off x="0" y="0"/>
+          <a:ext cx="0" cy="0"/>
+          <a:chOff x="0" y="0"/>
+          <a:chExt cx="0" cy="0"/>
+        </a:xfrm>
+      </p:grpSpPr>
+      <p:sp>
+        <p:nvSpPr>
+          <p:cNvPr id="2" name="Title 1">
+            <a:extLst>
+              <a:ext uri="{FF2B5EF4-FFF2-40B4-BE49-F238E27FC236}">
+                <a16:creationId xmlns:a16="http://schemas.microsoft.com/office/drawing/2014/main" id="{ADFC55C0-DE10-2A2A-4C91-28EB1C42FACA}"/>
+              </a:ext>
+            </a:extLst>
+          </p:cNvPr>
+          <p:cNvSpPr>
+            <a:spLocks noGrp="1"/>
+          </p:cNvSpPr>
+          <p:nvPr>
+            <p:ph type="title"/>
+          </p:nvPr>
+        </p:nvSpPr>
+        <p:spPr/>
+        <p:txBody>
+          <a:bodyPr/>
+          <a:lstStyle/>
+          <a:p>
+            <a:r>
+              <a:rPr lang="en-VN"/>
+              <a:t>Programming paradigms</a:t>
+            </a:r>
+          </a:p>
+        </p:txBody>
+      </p:sp>
+      <p:sp>
+        <p:nvSpPr>
+          <p:cNvPr id="4" name="Slide Number Placeholder 3">
+            <a:extLst>
+              <a:ext uri="{FF2B5EF4-FFF2-40B4-BE49-F238E27FC236}">
+                <a16:creationId xmlns:a16="http://schemas.microsoft.com/office/drawing/2014/main" id="{A6EBAED5-144B-C6A9-2B15-6D0A17620182}"/>
+              </a:ext>
+            </a:extLst>
+          </p:cNvPr>
+          <p:cNvSpPr>
+            <a:spLocks noGrp="1"/>
+          </p:cNvSpPr>
+          <p:nvPr>
+            <p:ph type="sldNum" sz="quarter" idx="12"/>
+          </p:nvPr>
+        </p:nvSpPr>
+        <p:spPr/>
+        <p:txBody>
+          <a:bodyPr/>
+          <a:lstStyle/>
+          <a:p>
+            <a:fld id="{8D5B5E1E-6446-E346-A8EF-B18E81FAF44B}" type="slidenum">
+              <a:rPr lang="en-VN"/>
+              <a:t>5</a:t>
             </a:fld>
             <a:endParaRPr lang="en-VN"/>
           </a:p>
@@ -5889,7 +8238,7 @@
 </p:sld>
 </file>
 
-<file path=ppt/slides/slide5.xml><?xml version="1.0" encoding="utf-8"?>
+<file path=ppt/slides/slide6.xml><?xml version="1.0" encoding="utf-8"?>
 <p:sld xmlns:a="http://schemas.openxmlformats.org/drawingml/2006/main" xmlns:r="http://schemas.openxmlformats.org/officeDocument/2006/relationships" xmlns:p="http://schemas.openxmlformats.org/presentationml/2006/main">
   <p:cSld>
     <p:spTree>
@@ -5941,8 +8290,8 @@
           </a:p>
         </p:txBody>
       </p:sp>
-      <mc:AlternateContent xmlns:mc="http://schemas.openxmlformats.org/markup-compatibility/2006">
-        <mc:Choice xmlns:a14="http://schemas.microsoft.com/office/drawing/2010/main" Requires="a14">
+      <mc:AlternateContent xmlns:mc="http://schemas.openxmlformats.org/markup-compatibility/2006" xmlns:a14="http://schemas.microsoft.com/office/drawing/2010/main">
+        <mc:Choice Requires="a14">
           <p:sp>
             <p:nvSpPr>
               <p:cNvPr id="3" name="Content Placeholder 2">
@@ -6046,7 +8395,7 @@
             </p:txBody>
           </p:sp>
         </mc:Choice>
-        <mc:Fallback>
+        <mc:Fallback xmlns="">
           <p:sp>
             <p:nvSpPr>
               <p:cNvPr id="3" name="Content Placeholder 2">
@@ -6113,14 +8462,14 @@
           <a:p>
             <a:fld id="{8D5B5E1E-6446-E346-A8EF-B18E81FAF44B}" type="slidenum">
               <a:rPr lang="en-VN"/>
-              <a:t>5</a:t>
+              <a:t>6</a:t>
             </a:fld>
             <a:endParaRPr lang="en-VN"/>
           </a:p>
         </p:txBody>
       </p:sp>
-      <mc:AlternateContent xmlns:mc="http://schemas.openxmlformats.org/markup-compatibility/2006">
-        <mc:Choice xmlns:a14="http://schemas.microsoft.com/office/drawing/2010/main" Requires="a14">
+      <mc:AlternateContent xmlns:mc="http://schemas.openxmlformats.org/markup-compatibility/2006" xmlns:a14="http://schemas.microsoft.com/office/drawing/2010/main">
+        <mc:Choice Requires="a14">
           <p:sp>
             <p:nvSpPr>
               <p:cNvPr id="6" name="TextBox 5">
@@ -6189,7 +8538,7 @@
             </p:txBody>
           </p:sp>
         </mc:Choice>
-        <mc:Fallback>
+        <mc:Fallback xmlns="">
           <p:sp>
             <p:nvSpPr>
               <p:cNvPr id="6" name="TextBox 5">
@@ -6234,8 +8583,8 @@
           </p:sp>
         </mc:Fallback>
       </mc:AlternateContent>
-      <mc:AlternateContent xmlns:mc="http://schemas.openxmlformats.org/markup-compatibility/2006">
-        <mc:Choice xmlns:a14="http://schemas.microsoft.com/office/drawing/2010/main" Requires="a14">
+      <mc:AlternateContent xmlns:mc="http://schemas.openxmlformats.org/markup-compatibility/2006" xmlns:a14="http://schemas.microsoft.com/office/drawing/2010/main">
+        <mc:Choice Requires="a14">
           <p:sp>
             <p:nvSpPr>
               <p:cNvPr id="7" name="Rectangle 6">
@@ -6342,7 +8691,7 @@
             </p:txBody>
           </p:sp>
         </mc:Choice>
-        <mc:Fallback>
+        <mc:Fallback xmlns="">
           <p:sp>
             <p:nvSpPr>
               <p:cNvPr id="7" name="Rectangle 6">
@@ -6435,8 +8784,8 @@
           </a:fontRef>
         </p:style>
       </p:cxnSp>
-      <mc:AlternateContent xmlns:mc="http://schemas.openxmlformats.org/markup-compatibility/2006">
-        <mc:Choice xmlns:a14="http://schemas.microsoft.com/office/drawing/2010/main" Requires="a14">
+      <mc:AlternateContent xmlns:mc="http://schemas.openxmlformats.org/markup-compatibility/2006" xmlns:a14="http://schemas.microsoft.com/office/drawing/2010/main">
+        <mc:Choice Requires="a14">
           <p:sp>
             <p:nvSpPr>
               <p:cNvPr id="13" name="TextBox 12">
@@ -6505,7 +8854,7 @@
             </p:txBody>
           </p:sp>
         </mc:Choice>
-        <mc:Fallback>
+        <mc:Fallback xmlns="">
           <p:sp>
             <p:nvSpPr>
               <p:cNvPr id="13" name="TextBox 12">
@@ -6550,8 +8899,8 @@
           </p:sp>
         </mc:Fallback>
       </mc:AlternateContent>
-      <mc:AlternateContent xmlns:mc="http://schemas.openxmlformats.org/markup-compatibility/2006">
-        <mc:Choice xmlns:a14="http://schemas.microsoft.com/office/drawing/2010/main" Requires="a14">
+      <mc:AlternateContent xmlns:mc="http://schemas.openxmlformats.org/markup-compatibility/2006" xmlns:a14="http://schemas.microsoft.com/office/drawing/2010/main">
+        <mc:Choice Requires="a14">
           <p:sp>
             <p:nvSpPr>
               <p:cNvPr id="14" name="Rectangle 13">
@@ -6658,7 +9007,7 @@
             </p:txBody>
           </p:sp>
         </mc:Choice>
-        <mc:Fallback>
+        <mc:Fallback xmlns="">
           <p:sp>
             <p:nvSpPr>
               <p:cNvPr id="14" name="Rectangle 13">
@@ -6794,8 +9143,8 @@
           </a:fontRef>
         </p:style>
       </p:cxnSp>
-      <mc:AlternateContent xmlns:mc="http://schemas.openxmlformats.org/markup-compatibility/2006">
-        <mc:Choice xmlns:a14="http://schemas.microsoft.com/office/drawing/2010/main" Requires="a14">
+      <mc:AlternateContent xmlns:mc="http://schemas.openxmlformats.org/markup-compatibility/2006" xmlns:a14="http://schemas.microsoft.com/office/drawing/2010/main">
+        <mc:Choice Requires="a14">
           <p:sp>
             <p:nvSpPr>
               <p:cNvPr id="19" name="TextBox 18">
@@ -6864,7 +9213,7 @@
             </p:txBody>
           </p:sp>
         </mc:Choice>
-        <mc:Fallback>
+        <mc:Fallback xmlns="">
           <p:sp>
             <p:nvSpPr>
               <p:cNvPr id="19" name="TextBox 18">
@@ -6992,8 +9341,8 @@
           </a:fontRef>
         </p:style>
       </p:cxnSp>
-      <mc:AlternateContent xmlns:mc="http://schemas.openxmlformats.org/markup-compatibility/2006">
-        <mc:Choice xmlns:a14="http://schemas.microsoft.com/office/drawing/2010/main" Requires="a14">
+      <mc:AlternateContent xmlns:mc="http://schemas.openxmlformats.org/markup-compatibility/2006" xmlns:a14="http://schemas.microsoft.com/office/drawing/2010/main">
+        <mc:Choice Requires="a14">
           <p:sp>
             <p:nvSpPr>
               <p:cNvPr id="22" name="TextBox 21">
@@ -7043,7 +9392,7 @@
             </p:txBody>
           </p:sp>
         </mc:Choice>
-        <mc:Fallback>
+        <mc:Fallback xmlns="">
           <p:sp>
             <p:nvSpPr>
               <p:cNvPr id="22" name="TextBox 21">
@@ -7140,8 +9489,8 @@
           </a:p>
         </p:txBody>
       </p:sp>
-      <mc:AlternateContent xmlns:mc="http://schemas.openxmlformats.org/markup-compatibility/2006">
-        <mc:Choice xmlns:a14="http://schemas.microsoft.com/office/drawing/2010/main" Requires="a14">
+      <mc:AlternateContent xmlns:mc="http://schemas.openxmlformats.org/markup-compatibility/2006" xmlns:a14="http://schemas.microsoft.com/office/drawing/2010/main">
+        <mc:Choice Requires="a14">
           <p:sp>
             <p:nvSpPr>
               <p:cNvPr id="24" name="Content Placeholder 2">
@@ -7412,7 +9761,7 @@
             </p:txBody>
           </p:sp>
         </mc:Choice>
-        <mc:Fallback>
+        <mc:Fallback xmlns="">
           <p:sp>
             <p:nvSpPr>
               <p:cNvPr id="24" name="Content Placeholder 2">
@@ -8900,7 +11249,7 @@
 </p:sld>
 </file>
 
-<file path=ppt/slides/slide6.xml><?xml version="1.0" encoding="utf-8"?>
+<file path=ppt/slides/slide7.xml><?xml version="1.0" encoding="utf-8"?>
 <p:sld xmlns:a="http://schemas.openxmlformats.org/drawingml/2006/main" xmlns:r="http://schemas.openxmlformats.org/officeDocument/2006/relationships" xmlns:p="http://schemas.openxmlformats.org/presentationml/2006/main">
   <p:cSld>
     <p:spTree>
@@ -8975,7 +11324,7 @@
           <a:p>
             <a:fld id="{8D5B5E1E-6446-E346-A8EF-B18E81FAF44B}" type="slidenum">
               <a:rPr lang="en-VN"/>
-              <a:t>6</a:t>
+              <a:t>7</a:t>
             </a:fld>
             <a:endParaRPr lang="en-VN"/>
           </a:p>
@@ -10366,8 +12715,8 @@
           </a:p>
         </p:txBody>
       </p:sp>
-      <mc:AlternateContent xmlns:mc="http://schemas.openxmlformats.org/markup-compatibility/2006">
-        <mc:Choice xmlns:a14="http://schemas.microsoft.com/office/drawing/2010/main" Requires="a14">
+      <mc:AlternateContent xmlns:mc="http://schemas.openxmlformats.org/markup-compatibility/2006" xmlns:a14="http://schemas.microsoft.com/office/drawing/2010/main">
+        <mc:Choice Requires="a14">
           <p:sp>
             <p:nvSpPr>
               <p:cNvPr id="21" name="TextBox 20">
@@ -10436,7 +12785,7 @@
             </p:txBody>
           </p:sp>
         </mc:Choice>
-        <mc:Fallback>
+        <mc:Fallback xmlns="">
           <p:sp>
             <p:nvSpPr>
               <p:cNvPr id="21" name="TextBox 20">
@@ -10913,7 +13262,7 @@
 </p:sld>
 </file>
 
-<file path=ppt/slides/slide7.xml><?xml version="1.0" encoding="utf-8"?>
+<file path=ppt/slides/slide8.xml><?xml version="1.0" encoding="utf-8"?>
 <p:sld xmlns:a="http://schemas.openxmlformats.org/drawingml/2006/main" xmlns:r="http://schemas.openxmlformats.org/officeDocument/2006/relationships" xmlns:p="http://schemas.openxmlformats.org/presentationml/2006/main">
   <p:cSld>
     <p:spTree>
@@ -10994,7 +13343,7 @@
           <a:p>
             <a:fld id="{8D5B5E1E-6446-E346-A8EF-B18E81FAF44B}" type="slidenum">
               <a:rPr lang="en-VN"/>
-              <a:t>7</a:t>
+              <a:t>8</a:t>
             </a:fld>
             <a:endParaRPr lang="en-VN"/>
           </a:p>
@@ -12552,7 +14901,7 @@
 </p:sld>
 </file>
 
-<file path=ppt/slides/slide8.xml><?xml version="1.0" encoding="utf-8"?>
+<file path=ppt/slides/slide9.xml><?xml version="1.0" encoding="utf-8"?>
 <p:sld xmlns:a="http://schemas.openxmlformats.org/drawingml/2006/main" xmlns:r="http://schemas.openxmlformats.org/officeDocument/2006/relationships" xmlns:p="http://schemas.openxmlformats.org/presentationml/2006/main">
   <p:cSld>
     <p:spTree>
@@ -12666,7 +15015,7 @@
           <a:p>
             <a:fld id="{8D5B5E1E-6446-E346-A8EF-B18E81FAF44B}" type="slidenum">
               <a:rPr lang="en-VN"/>
-              <a:t>8</a:t>
+              <a:t>9</a:t>
             </a:fld>
             <a:endParaRPr lang="en-VN"/>
           </a:p>
